--- a/Шаблон.pptx
+++ b/Шаблон.pptx
@@ -4,14 +4,15 @@
   <p:sldMasterIdLst>
     <p:sldMasterId id="2147483648" r:id="rId2"/>
     <p:sldMasterId id="2147483661" r:id="rId3"/>
+    <p:sldMasterId id="2147483674" r:id="rId4"/>
   </p:sldMasterIdLst>
   <p:sldIdLst>
-    <p:sldId id="256" r:id="rId4"/>
-    <p:sldId id="257" r:id="rId5"/>
-    <p:sldId id="258" r:id="rId6"/>
-    <p:sldId id="259" r:id="rId7"/>
-    <p:sldId id="260" r:id="rId8"/>
-    <p:sldId id="261" r:id="rId9"/>
+    <p:sldId id="256" r:id="rId5"/>
+    <p:sldId id="257" r:id="rId6"/>
+    <p:sldId id="258" r:id="rId7"/>
+    <p:sldId id="259" r:id="rId8"/>
+    <p:sldId id="260" r:id="rId9"/>
+    <p:sldId id="261" r:id="rId10"/>
   </p:sldIdLst>
   <p:sldSz cx="12192000" cy="6858000"/>
   <p:notesSz cx="7559675" cy="10691812"/>
@@ -1999,6 +2000,361 @@
 </p:sldLayout>
 </file>
 
+<file path=ppt/slideLayouts/slideLayout25.xml><?xml version="1.0" encoding="utf-8"?>
+<p:sldLayout xmlns:a="http://schemas.openxmlformats.org/drawingml/2006/main" xmlns:p="http://schemas.openxmlformats.org/presentationml/2006/main" xmlns:r="http://schemas.openxmlformats.org/officeDocument/2006/relationships" xmlns:p14="http://schemas.microsoft.com/office/powerpoint/2010/main" xmlns:p15="http://schemas.microsoft.com/office/powerpoint/2012/main" xmlns:mc="http://schemas.openxmlformats.org/markup-compatibility/2006" type="blank" preserve="1">
+  <p:cSld name="Blank Slide">
+    <p:spTree>
+      <p:nvGrpSpPr>
+        <p:cNvPr id="1" name=""/>
+        <p:cNvGrpSpPr/>
+        <p:nvPr/>
+      </p:nvGrpSpPr>
+      <p:grpSpPr>
+        <a:xfrm>
+          <a:off x="0" y="0"/>
+          <a:ext cx="0" cy="0"/>
+          <a:chOff x="0" y="0"/>
+          <a:chExt cx="0" cy="0"/>
+        </a:xfrm>
+      </p:grpSpPr>
+    </p:spTree>
+  </p:cSld>
+</p:sldLayout>
+</file>
+
+<file path=ppt/slideLayouts/slideLayout26.xml><?xml version="1.0" encoding="utf-8"?>
+<p:sldLayout xmlns:a="http://schemas.openxmlformats.org/drawingml/2006/main" xmlns:p="http://schemas.openxmlformats.org/presentationml/2006/main" xmlns:r="http://schemas.openxmlformats.org/officeDocument/2006/relationships" xmlns:p14="http://schemas.microsoft.com/office/powerpoint/2010/main" xmlns:p15="http://schemas.microsoft.com/office/powerpoint/2012/main" xmlns:mc="http://schemas.openxmlformats.org/markup-compatibility/2006" type="tx" preserve="1">
+  <p:cSld name="Title Slide">
+    <p:spTree>
+      <p:nvGrpSpPr>
+        <p:cNvPr id="1" name=""/>
+        <p:cNvGrpSpPr/>
+        <p:nvPr/>
+      </p:nvGrpSpPr>
+      <p:grpSpPr>
+        <a:xfrm>
+          <a:off x="0" y="0"/>
+          <a:ext cx="0" cy="0"/>
+          <a:chOff x="0" y="0"/>
+          <a:chExt cx="0" cy="0"/>
+        </a:xfrm>
+      </p:grpSpPr>
+      <p:sp>
+        <p:nvSpPr>
+          <p:cNvPr id="82" name="PlaceHolder 1"/>
+          <p:cNvSpPr>
+            <a:spLocks noGrp="1"/>
+          </p:cNvSpPr>
+          <p:nvPr>
+            <p:ph type="title"/>
+          </p:nvPr>
+        </p:nvSpPr>
+        <p:spPr>
+          <a:xfrm>
+            <a:off x="609480" y="221040"/>
+            <a:ext cx="10972440" cy="1250280"/>
+          </a:xfrm>
+          <a:prstGeom prst="rect">
+            <a:avLst/>
+          </a:prstGeom>
+        </p:spPr>
+        <p:txBody>
+          <a:bodyPr lIns="0" rIns="0" tIns="0" bIns="0" anchor="ctr">
+            <a:spAutoFit/>
+          </a:bodyPr>
+          <a:p>
+            <a:pPr algn="ctr"/>
+            <a:endParaRPr b="0" lang="ru-RU" sz="4400" spc="-1" strike="noStrike">
+              <a:latin typeface="Arial"/>
+            </a:endParaRPr>
+          </a:p>
+        </p:txBody>
+      </p:sp>
+      <p:sp>
+        <p:nvSpPr>
+          <p:cNvPr id="83" name="PlaceHolder 2"/>
+          <p:cNvSpPr>
+            <a:spLocks noGrp="1"/>
+          </p:cNvSpPr>
+          <p:nvPr>
+            <p:ph type="subTitle"/>
+          </p:nvPr>
+        </p:nvSpPr>
+        <p:spPr>
+          <a:xfrm>
+            <a:off x="609480" y="1604520"/>
+            <a:ext cx="10972440" cy="3977280"/>
+          </a:xfrm>
+          <a:prstGeom prst="rect">
+            <a:avLst/>
+          </a:prstGeom>
+        </p:spPr>
+        <p:txBody>
+          <a:bodyPr lIns="0" rIns="0" tIns="0" bIns="0" anchor="ctr">
+            <a:spAutoFit/>
+          </a:bodyPr>
+          <a:p>
+            <a:pPr algn="ctr"/>
+            <a:endParaRPr b="0" lang="ru-RU" sz="3200" spc="-1" strike="noStrike">
+              <a:latin typeface="Arial"/>
+            </a:endParaRPr>
+          </a:p>
+        </p:txBody>
+      </p:sp>
+    </p:spTree>
+  </p:cSld>
+</p:sldLayout>
+</file>
+
+<file path=ppt/slideLayouts/slideLayout27.xml><?xml version="1.0" encoding="utf-8"?>
+<p:sldLayout xmlns:a="http://schemas.openxmlformats.org/drawingml/2006/main" xmlns:p="http://schemas.openxmlformats.org/presentationml/2006/main" xmlns:r="http://schemas.openxmlformats.org/officeDocument/2006/relationships" xmlns:p14="http://schemas.microsoft.com/office/powerpoint/2010/main" xmlns:p15="http://schemas.microsoft.com/office/powerpoint/2012/main" xmlns:mc="http://schemas.openxmlformats.org/markup-compatibility/2006" type="obj" preserve="1">
+  <p:cSld name="Title, Content">
+    <p:spTree>
+      <p:nvGrpSpPr>
+        <p:cNvPr id="1" name=""/>
+        <p:cNvGrpSpPr/>
+        <p:nvPr/>
+      </p:nvGrpSpPr>
+      <p:grpSpPr>
+        <a:xfrm>
+          <a:off x="0" y="0"/>
+          <a:ext cx="0" cy="0"/>
+          <a:chOff x="0" y="0"/>
+          <a:chExt cx="0" cy="0"/>
+        </a:xfrm>
+      </p:grpSpPr>
+      <p:sp>
+        <p:nvSpPr>
+          <p:cNvPr id="84" name="PlaceHolder 1"/>
+          <p:cNvSpPr>
+            <a:spLocks noGrp="1"/>
+          </p:cNvSpPr>
+          <p:nvPr>
+            <p:ph type="title"/>
+          </p:nvPr>
+        </p:nvSpPr>
+        <p:spPr>
+          <a:xfrm>
+            <a:off x="609480" y="221040"/>
+            <a:ext cx="10972440" cy="1250280"/>
+          </a:xfrm>
+          <a:prstGeom prst="rect">
+            <a:avLst/>
+          </a:prstGeom>
+        </p:spPr>
+        <p:txBody>
+          <a:bodyPr lIns="0" rIns="0" tIns="0" bIns="0" anchor="ctr">
+            <a:spAutoFit/>
+          </a:bodyPr>
+          <a:p>
+            <a:pPr algn="ctr"/>
+            <a:endParaRPr b="0" lang="ru-RU" sz="4400" spc="-1" strike="noStrike">
+              <a:latin typeface="Arial"/>
+            </a:endParaRPr>
+          </a:p>
+        </p:txBody>
+      </p:sp>
+      <p:sp>
+        <p:nvSpPr>
+          <p:cNvPr id="85" name="PlaceHolder 2"/>
+          <p:cNvSpPr>
+            <a:spLocks noGrp="1"/>
+          </p:cNvSpPr>
+          <p:nvPr>
+            <p:ph type="body"/>
+          </p:nvPr>
+        </p:nvSpPr>
+        <p:spPr>
+          <a:xfrm>
+            <a:off x="609480" y="1604520"/>
+            <a:ext cx="10972440" cy="3977280"/>
+          </a:xfrm>
+          <a:prstGeom prst="rect">
+            <a:avLst/>
+          </a:prstGeom>
+        </p:spPr>
+        <p:txBody>
+          <a:bodyPr lIns="0" rIns="0" tIns="0" bIns="0">
+            <a:normAutofit/>
+          </a:bodyPr>
+          <a:p>
+            <a:endParaRPr b="0" lang="ru-RU" sz="3200" spc="-1" strike="noStrike">
+              <a:latin typeface="Arial"/>
+            </a:endParaRPr>
+          </a:p>
+        </p:txBody>
+      </p:sp>
+    </p:spTree>
+  </p:cSld>
+</p:sldLayout>
+</file>
+
+<file path=ppt/slideLayouts/slideLayout28.xml><?xml version="1.0" encoding="utf-8"?>
+<p:sldLayout xmlns:a="http://schemas.openxmlformats.org/drawingml/2006/main" xmlns:p="http://schemas.openxmlformats.org/presentationml/2006/main" xmlns:r="http://schemas.openxmlformats.org/officeDocument/2006/relationships" xmlns:p14="http://schemas.microsoft.com/office/powerpoint/2010/main" xmlns:p15="http://schemas.microsoft.com/office/powerpoint/2012/main" xmlns:mc="http://schemas.openxmlformats.org/markup-compatibility/2006" type="twoObj" preserve="1">
+  <p:cSld name="Title, 2 Content">
+    <p:spTree>
+      <p:nvGrpSpPr>
+        <p:cNvPr id="1" name=""/>
+        <p:cNvGrpSpPr/>
+        <p:nvPr/>
+      </p:nvGrpSpPr>
+      <p:grpSpPr>
+        <a:xfrm>
+          <a:off x="0" y="0"/>
+          <a:ext cx="0" cy="0"/>
+          <a:chOff x="0" y="0"/>
+          <a:chExt cx="0" cy="0"/>
+        </a:xfrm>
+      </p:grpSpPr>
+      <p:sp>
+        <p:nvSpPr>
+          <p:cNvPr id="86" name="PlaceHolder 1"/>
+          <p:cNvSpPr>
+            <a:spLocks noGrp="1"/>
+          </p:cNvSpPr>
+          <p:nvPr>
+            <p:ph type="title"/>
+          </p:nvPr>
+        </p:nvSpPr>
+        <p:spPr>
+          <a:xfrm>
+            <a:off x="609480" y="221040"/>
+            <a:ext cx="10972440" cy="1250280"/>
+          </a:xfrm>
+          <a:prstGeom prst="rect">
+            <a:avLst/>
+          </a:prstGeom>
+        </p:spPr>
+        <p:txBody>
+          <a:bodyPr lIns="0" rIns="0" tIns="0" bIns="0" anchor="ctr">
+            <a:spAutoFit/>
+          </a:bodyPr>
+          <a:p>
+            <a:pPr algn="ctr"/>
+            <a:endParaRPr b="0" lang="ru-RU" sz="4400" spc="-1" strike="noStrike">
+              <a:latin typeface="Arial"/>
+            </a:endParaRPr>
+          </a:p>
+        </p:txBody>
+      </p:sp>
+      <p:sp>
+        <p:nvSpPr>
+          <p:cNvPr id="87" name="PlaceHolder 2"/>
+          <p:cNvSpPr>
+            <a:spLocks noGrp="1"/>
+          </p:cNvSpPr>
+          <p:nvPr>
+            <p:ph type="body"/>
+          </p:nvPr>
+        </p:nvSpPr>
+        <p:spPr>
+          <a:xfrm>
+            <a:off x="609480" y="1604520"/>
+            <a:ext cx="5354280" cy="3977280"/>
+          </a:xfrm>
+          <a:prstGeom prst="rect">
+            <a:avLst/>
+          </a:prstGeom>
+        </p:spPr>
+        <p:txBody>
+          <a:bodyPr lIns="0" rIns="0" tIns="0" bIns="0">
+            <a:normAutofit/>
+          </a:bodyPr>
+          <a:p>
+            <a:endParaRPr b="0" lang="ru-RU" sz="3200" spc="-1" strike="noStrike">
+              <a:latin typeface="Arial"/>
+            </a:endParaRPr>
+          </a:p>
+        </p:txBody>
+      </p:sp>
+      <p:sp>
+        <p:nvSpPr>
+          <p:cNvPr id="88" name="PlaceHolder 3"/>
+          <p:cNvSpPr>
+            <a:spLocks noGrp="1"/>
+          </p:cNvSpPr>
+          <p:nvPr>
+            <p:ph type="body"/>
+          </p:nvPr>
+        </p:nvSpPr>
+        <p:spPr>
+          <a:xfrm>
+            <a:off x="6231960" y="1604520"/>
+            <a:ext cx="5354280" cy="3977280"/>
+          </a:xfrm>
+          <a:prstGeom prst="rect">
+            <a:avLst/>
+          </a:prstGeom>
+        </p:spPr>
+        <p:txBody>
+          <a:bodyPr lIns="0" rIns="0" tIns="0" bIns="0">
+            <a:normAutofit/>
+          </a:bodyPr>
+          <a:p>
+            <a:endParaRPr b="0" lang="ru-RU" sz="3200" spc="-1" strike="noStrike">
+              <a:latin typeface="Arial"/>
+            </a:endParaRPr>
+          </a:p>
+        </p:txBody>
+      </p:sp>
+    </p:spTree>
+  </p:cSld>
+</p:sldLayout>
+</file>
+
+<file path=ppt/slideLayouts/slideLayout29.xml><?xml version="1.0" encoding="utf-8"?>
+<p:sldLayout xmlns:a="http://schemas.openxmlformats.org/drawingml/2006/main" xmlns:p="http://schemas.openxmlformats.org/presentationml/2006/main" xmlns:r="http://schemas.openxmlformats.org/officeDocument/2006/relationships" xmlns:p14="http://schemas.microsoft.com/office/powerpoint/2010/main" xmlns:p15="http://schemas.microsoft.com/office/powerpoint/2012/main" xmlns:mc="http://schemas.openxmlformats.org/markup-compatibility/2006" type="titleOnly" preserve="1">
+  <p:cSld name="Title Only">
+    <p:spTree>
+      <p:nvGrpSpPr>
+        <p:cNvPr id="1" name=""/>
+        <p:cNvGrpSpPr/>
+        <p:nvPr/>
+      </p:nvGrpSpPr>
+      <p:grpSpPr>
+        <a:xfrm>
+          <a:off x="0" y="0"/>
+          <a:ext cx="0" cy="0"/>
+          <a:chOff x="0" y="0"/>
+          <a:chExt cx="0" cy="0"/>
+        </a:xfrm>
+      </p:grpSpPr>
+      <p:sp>
+        <p:nvSpPr>
+          <p:cNvPr id="89" name="PlaceHolder 1"/>
+          <p:cNvSpPr>
+            <a:spLocks noGrp="1"/>
+          </p:cNvSpPr>
+          <p:nvPr>
+            <p:ph type="title"/>
+          </p:nvPr>
+        </p:nvSpPr>
+        <p:spPr>
+          <a:xfrm>
+            <a:off x="609480" y="221040"/>
+            <a:ext cx="10972440" cy="1250280"/>
+          </a:xfrm>
+          <a:prstGeom prst="rect">
+            <a:avLst/>
+          </a:prstGeom>
+        </p:spPr>
+        <p:txBody>
+          <a:bodyPr lIns="0" rIns="0" tIns="0" bIns="0" anchor="ctr">
+            <a:spAutoFit/>
+          </a:bodyPr>
+          <a:p>
+            <a:pPr algn="ctr"/>
+            <a:endParaRPr b="0" lang="ru-RU" sz="4400" spc="-1" strike="noStrike">
+              <a:latin typeface="Arial"/>
+            </a:endParaRPr>
+          </a:p>
+        </p:txBody>
+      </p:sp>
+    </p:spTree>
+  </p:cSld>
+</p:sldLayout>
+</file>
+
 <file path=ppt/slideLayouts/slideLayout3.xml><?xml version="1.0" encoding="utf-8"?>
 <p:sldLayout xmlns:a="http://schemas.openxmlformats.org/drawingml/2006/main" xmlns:p="http://schemas.openxmlformats.org/presentationml/2006/main" xmlns:r="http://schemas.openxmlformats.org/officeDocument/2006/relationships" xmlns:p14="http://schemas.microsoft.com/office/powerpoint/2010/main" xmlns:p15="http://schemas.microsoft.com/office/powerpoint/2012/main" xmlns:mc="http://schemas.openxmlformats.org/markup-compatibility/2006" type="obj" preserve="1">
   <p:cSld name="Title, Content">
@@ -2061,6 +2417,1007 @@
           <a:xfrm>
             <a:off x="609480" y="1604520"/>
             <a:ext cx="10972440" cy="3977280"/>
+          </a:xfrm>
+          <a:prstGeom prst="rect">
+            <a:avLst/>
+          </a:prstGeom>
+        </p:spPr>
+        <p:txBody>
+          <a:bodyPr lIns="0" rIns="0" tIns="0" bIns="0">
+            <a:normAutofit/>
+          </a:bodyPr>
+          <a:p>
+            <a:endParaRPr b="0" lang="ru-RU" sz="3200" spc="-1" strike="noStrike">
+              <a:latin typeface="Arial"/>
+            </a:endParaRPr>
+          </a:p>
+        </p:txBody>
+      </p:sp>
+    </p:spTree>
+  </p:cSld>
+</p:sldLayout>
+</file>
+
+<file path=ppt/slideLayouts/slideLayout30.xml><?xml version="1.0" encoding="utf-8"?>
+<p:sldLayout xmlns:a="http://schemas.openxmlformats.org/drawingml/2006/main" xmlns:p="http://schemas.openxmlformats.org/presentationml/2006/main" xmlns:r="http://schemas.openxmlformats.org/officeDocument/2006/relationships" xmlns:p14="http://schemas.microsoft.com/office/powerpoint/2010/main" xmlns:p15="http://schemas.microsoft.com/office/powerpoint/2012/main" xmlns:mc="http://schemas.openxmlformats.org/markup-compatibility/2006" type="objOnly" preserve="1">
+  <p:cSld name="Centered Text">
+    <p:spTree>
+      <p:nvGrpSpPr>
+        <p:cNvPr id="1" name=""/>
+        <p:cNvGrpSpPr/>
+        <p:nvPr/>
+      </p:nvGrpSpPr>
+      <p:grpSpPr>
+        <a:xfrm>
+          <a:off x="0" y="0"/>
+          <a:ext cx="0" cy="0"/>
+          <a:chOff x="0" y="0"/>
+          <a:chExt cx="0" cy="0"/>
+        </a:xfrm>
+      </p:grpSpPr>
+      <p:sp>
+        <p:nvSpPr>
+          <p:cNvPr id="90" name="PlaceHolder 1"/>
+          <p:cNvSpPr>
+            <a:spLocks noGrp="1"/>
+          </p:cNvSpPr>
+          <p:nvPr>
+            <p:ph type="subTitle"/>
+          </p:nvPr>
+        </p:nvSpPr>
+        <p:spPr>
+          <a:xfrm>
+            <a:off x="609480" y="273600"/>
+            <a:ext cx="10972440" cy="5307840"/>
+          </a:xfrm>
+          <a:prstGeom prst="rect">
+            <a:avLst/>
+          </a:prstGeom>
+        </p:spPr>
+        <p:txBody>
+          <a:bodyPr lIns="0" rIns="0" tIns="0" bIns="0" anchor="ctr">
+            <a:spAutoFit/>
+          </a:bodyPr>
+          <a:p>
+            <a:pPr algn="ctr"/>
+            <a:endParaRPr b="0" lang="ru-RU" sz="3200" spc="-1" strike="noStrike">
+              <a:latin typeface="Arial"/>
+            </a:endParaRPr>
+          </a:p>
+        </p:txBody>
+      </p:sp>
+    </p:spTree>
+  </p:cSld>
+</p:sldLayout>
+</file>
+
+<file path=ppt/slideLayouts/slideLayout31.xml><?xml version="1.0" encoding="utf-8"?>
+<p:sldLayout xmlns:a="http://schemas.openxmlformats.org/drawingml/2006/main" xmlns:p="http://schemas.openxmlformats.org/presentationml/2006/main" xmlns:r="http://schemas.openxmlformats.org/officeDocument/2006/relationships" xmlns:p14="http://schemas.microsoft.com/office/powerpoint/2010/main" xmlns:p15="http://schemas.microsoft.com/office/powerpoint/2012/main" xmlns:mc="http://schemas.openxmlformats.org/markup-compatibility/2006" type="twoObjAndObj" preserve="1">
+  <p:cSld name="Title, 2 Content and Content">
+    <p:spTree>
+      <p:nvGrpSpPr>
+        <p:cNvPr id="1" name=""/>
+        <p:cNvGrpSpPr/>
+        <p:nvPr/>
+      </p:nvGrpSpPr>
+      <p:grpSpPr>
+        <a:xfrm>
+          <a:off x="0" y="0"/>
+          <a:ext cx="0" cy="0"/>
+          <a:chOff x="0" y="0"/>
+          <a:chExt cx="0" cy="0"/>
+        </a:xfrm>
+      </p:grpSpPr>
+      <p:sp>
+        <p:nvSpPr>
+          <p:cNvPr id="91" name="PlaceHolder 1"/>
+          <p:cNvSpPr>
+            <a:spLocks noGrp="1"/>
+          </p:cNvSpPr>
+          <p:nvPr>
+            <p:ph type="title"/>
+          </p:nvPr>
+        </p:nvSpPr>
+        <p:spPr>
+          <a:xfrm>
+            <a:off x="609480" y="221040"/>
+            <a:ext cx="10972440" cy="1250280"/>
+          </a:xfrm>
+          <a:prstGeom prst="rect">
+            <a:avLst/>
+          </a:prstGeom>
+        </p:spPr>
+        <p:txBody>
+          <a:bodyPr lIns="0" rIns="0" tIns="0" bIns="0" anchor="ctr">
+            <a:spAutoFit/>
+          </a:bodyPr>
+          <a:p>
+            <a:pPr algn="ctr"/>
+            <a:endParaRPr b="0" lang="ru-RU" sz="4400" spc="-1" strike="noStrike">
+              <a:latin typeface="Arial"/>
+            </a:endParaRPr>
+          </a:p>
+        </p:txBody>
+      </p:sp>
+      <p:sp>
+        <p:nvSpPr>
+          <p:cNvPr id="92" name="PlaceHolder 2"/>
+          <p:cNvSpPr>
+            <a:spLocks noGrp="1"/>
+          </p:cNvSpPr>
+          <p:nvPr>
+            <p:ph type="body"/>
+          </p:nvPr>
+        </p:nvSpPr>
+        <p:spPr>
+          <a:xfrm>
+            <a:off x="609480" y="1604520"/>
+            <a:ext cx="5354280" cy="1896840"/>
+          </a:xfrm>
+          <a:prstGeom prst="rect">
+            <a:avLst/>
+          </a:prstGeom>
+        </p:spPr>
+        <p:txBody>
+          <a:bodyPr lIns="0" rIns="0" tIns="0" bIns="0">
+            <a:normAutofit/>
+          </a:bodyPr>
+          <a:p>
+            <a:endParaRPr b="0" lang="ru-RU" sz="3200" spc="-1" strike="noStrike">
+              <a:latin typeface="Arial"/>
+            </a:endParaRPr>
+          </a:p>
+        </p:txBody>
+      </p:sp>
+      <p:sp>
+        <p:nvSpPr>
+          <p:cNvPr id="93" name="PlaceHolder 3"/>
+          <p:cNvSpPr>
+            <a:spLocks noGrp="1"/>
+          </p:cNvSpPr>
+          <p:nvPr>
+            <p:ph type="body"/>
+          </p:nvPr>
+        </p:nvSpPr>
+        <p:spPr>
+          <a:xfrm>
+            <a:off x="6231960" y="1604520"/>
+            <a:ext cx="5354280" cy="3977280"/>
+          </a:xfrm>
+          <a:prstGeom prst="rect">
+            <a:avLst/>
+          </a:prstGeom>
+        </p:spPr>
+        <p:txBody>
+          <a:bodyPr lIns="0" rIns="0" tIns="0" bIns="0">
+            <a:normAutofit/>
+          </a:bodyPr>
+          <a:p>
+            <a:endParaRPr b="0" lang="ru-RU" sz="3200" spc="-1" strike="noStrike">
+              <a:latin typeface="Arial"/>
+            </a:endParaRPr>
+          </a:p>
+        </p:txBody>
+      </p:sp>
+      <p:sp>
+        <p:nvSpPr>
+          <p:cNvPr id="94" name="PlaceHolder 4"/>
+          <p:cNvSpPr>
+            <a:spLocks noGrp="1"/>
+          </p:cNvSpPr>
+          <p:nvPr>
+            <p:ph type="body"/>
+          </p:nvPr>
+        </p:nvSpPr>
+        <p:spPr>
+          <a:xfrm>
+            <a:off x="609480" y="3682080"/>
+            <a:ext cx="5354280" cy="1896840"/>
+          </a:xfrm>
+          <a:prstGeom prst="rect">
+            <a:avLst/>
+          </a:prstGeom>
+        </p:spPr>
+        <p:txBody>
+          <a:bodyPr lIns="0" rIns="0" tIns="0" bIns="0">
+            <a:normAutofit/>
+          </a:bodyPr>
+          <a:p>
+            <a:endParaRPr b="0" lang="ru-RU" sz="3200" spc="-1" strike="noStrike">
+              <a:latin typeface="Arial"/>
+            </a:endParaRPr>
+          </a:p>
+        </p:txBody>
+      </p:sp>
+    </p:spTree>
+  </p:cSld>
+</p:sldLayout>
+</file>
+
+<file path=ppt/slideLayouts/slideLayout32.xml><?xml version="1.0" encoding="utf-8"?>
+<p:sldLayout xmlns:a="http://schemas.openxmlformats.org/drawingml/2006/main" xmlns:p="http://schemas.openxmlformats.org/presentationml/2006/main" xmlns:r="http://schemas.openxmlformats.org/officeDocument/2006/relationships" xmlns:p14="http://schemas.microsoft.com/office/powerpoint/2010/main" xmlns:p15="http://schemas.microsoft.com/office/powerpoint/2012/main" xmlns:mc="http://schemas.openxmlformats.org/markup-compatibility/2006" type="objAndTwoObj" preserve="1">
+  <p:cSld name="Title Content and 2 Content">
+    <p:spTree>
+      <p:nvGrpSpPr>
+        <p:cNvPr id="1" name=""/>
+        <p:cNvGrpSpPr/>
+        <p:nvPr/>
+      </p:nvGrpSpPr>
+      <p:grpSpPr>
+        <a:xfrm>
+          <a:off x="0" y="0"/>
+          <a:ext cx="0" cy="0"/>
+          <a:chOff x="0" y="0"/>
+          <a:chExt cx="0" cy="0"/>
+        </a:xfrm>
+      </p:grpSpPr>
+      <p:sp>
+        <p:nvSpPr>
+          <p:cNvPr id="95" name="PlaceHolder 1"/>
+          <p:cNvSpPr>
+            <a:spLocks noGrp="1"/>
+          </p:cNvSpPr>
+          <p:nvPr>
+            <p:ph type="title"/>
+          </p:nvPr>
+        </p:nvSpPr>
+        <p:spPr>
+          <a:xfrm>
+            <a:off x="609480" y="221040"/>
+            <a:ext cx="10972440" cy="1250280"/>
+          </a:xfrm>
+          <a:prstGeom prst="rect">
+            <a:avLst/>
+          </a:prstGeom>
+        </p:spPr>
+        <p:txBody>
+          <a:bodyPr lIns="0" rIns="0" tIns="0" bIns="0" anchor="ctr">
+            <a:spAutoFit/>
+          </a:bodyPr>
+          <a:p>
+            <a:pPr algn="ctr"/>
+            <a:endParaRPr b="0" lang="ru-RU" sz="4400" spc="-1" strike="noStrike">
+              <a:latin typeface="Arial"/>
+            </a:endParaRPr>
+          </a:p>
+        </p:txBody>
+      </p:sp>
+      <p:sp>
+        <p:nvSpPr>
+          <p:cNvPr id="96" name="PlaceHolder 2"/>
+          <p:cNvSpPr>
+            <a:spLocks noGrp="1"/>
+          </p:cNvSpPr>
+          <p:nvPr>
+            <p:ph type="body"/>
+          </p:nvPr>
+        </p:nvSpPr>
+        <p:spPr>
+          <a:xfrm>
+            <a:off x="609480" y="1604520"/>
+            <a:ext cx="5354280" cy="3977280"/>
+          </a:xfrm>
+          <a:prstGeom prst="rect">
+            <a:avLst/>
+          </a:prstGeom>
+        </p:spPr>
+        <p:txBody>
+          <a:bodyPr lIns="0" rIns="0" tIns="0" bIns="0">
+            <a:normAutofit/>
+          </a:bodyPr>
+          <a:p>
+            <a:endParaRPr b="0" lang="ru-RU" sz="3200" spc="-1" strike="noStrike">
+              <a:latin typeface="Arial"/>
+            </a:endParaRPr>
+          </a:p>
+        </p:txBody>
+      </p:sp>
+      <p:sp>
+        <p:nvSpPr>
+          <p:cNvPr id="97" name="PlaceHolder 3"/>
+          <p:cNvSpPr>
+            <a:spLocks noGrp="1"/>
+          </p:cNvSpPr>
+          <p:nvPr>
+            <p:ph type="body"/>
+          </p:nvPr>
+        </p:nvSpPr>
+        <p:spPr>
+          <a:xfrm>
+            <a:off x="6231960" y="1604520"/>
+            <a:ext cx="5354280" cy="1896840"/>
+          </a:xfrm>
+          <a:prstGeom prst="rect">
+            <a:avLst/>
+          </a:prstGeom>
+        </p:spPr>
+        <p:txBody>
+          <a:bodyPr lIns="0" rIns="0" tIns="0" bIns="0">
+            <a:normAutofit/>
+          </a:bodyPr>
+          <a:p>
+            <a:endParaRPr b="0" lang="ru-RU" sz="3200" spc="-1" strike="noStrike">
+              <a:latin typeface="Arial"/>
+            </a:endParaRPr>
+          </a:p>
+        </p:txBody>
+      </p:sp>
+      <p:sp>
+        <p:nvSpPr>
+          <p:cNvPr id="98" name="PlaceHolder 4"/>
+          <p:cNvSpPr>
+            <a:spLocks noGrp="1"/>
+          </p:cNvSpPr>
+          <p:nvPr>
+            <p:ph type="body"/>
+          </p:nvPr>
+        </p:nvSpPr>
+        <p:spPr>
+          <a:xfrm>
+            <a:off x="6231960" y="3682080"/>
+            <a:ext cx="5354280" cy="1896840"/>
+          </a:xfrm>
+          <a:prstGeom prst="rect">
+            <a:avLst/>
+          </a:prstGeom>
+        </p:spPr>
+        <p:txBody>
+          <a:bodyPr lIns="0" rIns="0" tIns="0" bIns="0">
+            <a:normAutofit/>
+          </a:bodyPr>
+          <a:p>
+            <a:endParaRPr b="0" lang="ru-RU" sz="3200" spc="-1" strike="noStrike">
+              <a:latin typeface="Arial"/>
+            </a:endParaRPr>
+          </a:p>
+        </p:txBody>
+      </p:sp>
+    </p:spTree>
+  </p:cSld>
+</p:sldLayout>
+</file>
+
+<file path=ppt/slideLayouts/slideLayout33.xml><?xml version="1.0" encoding="utf-8"?>
+<p:sldLayout xmlns:a="http://schemas.openxmlformats.org/drawingml/2006/main" xmlns:p="http://schemas.openxmlformats.org/presentationml/2006/main" xmlns:r="http://schemas.openxmlformats.org/officeDocument/2006/relationships" xmlns:p14="http://schemas.microsoft.com/office/powerpoint/2010/main" xmlns:p15="http://schemas.microsoft.com/office/powerpoint/2012/main" xmlns:mc="http://schemas.openxmlformats.org/markup-compatibility/2006" type="twoObjOverTx" preserve="1">
+  <p:cSld name="Title, 2 Content over Content">
+    <p:spTree>
+      <p:nvGrpSpPr>
+        <p:cNvPr id="1" name=""/>
+        <p:cNvGrpSpPr/>
+        <p:nvPr/>
+      </p:nvGrpSpPr>
+      <p:grpSpPr>
+        <a:xfrm>
+          <a:off x="0" y="0"/>
+          <a:ext cx="0" cy="0"/>
+          <a:chOff x="0" y="0"/>
+          <a:chExt cx="0" cy="0"/>
+        </a:xfrm>
+      </p:grpSpPr>
+      <p:sp>
+        <p:nvSpPr>
+          <p:cNvPr id="99" name="PlaceHolder 1"/>
+          <p:cNvSpPr>
+            <a:spLocks noGrp="1"/>
+          </p:cNvSpPr>
+          <p:nvPr>
+            <p:ph type="title"/>
+          </p:nvPr>
+        </p:nvSpPr>
+        <p:spPr>
+          <a:xfrm>
+            <a:off x="609480" y="221040"/>
+            <a:ext cx="10972440" cy="1250280"/>
+          </a:xfrm>
+          <a:prstGeom prst="rect">
+            <a:avLst/>
+          </a:prstGeom>
+        </p:spPr>
+        <p:txBody>
+          <a:bodyPr lIns="0" rIns="0" tIns="0" bIns="0" anchor="ctr">
+            <a:spAutoFit/>
+          </a:bodyPr>
+          <a:p>
+            <a:pPr algn="ctr"/>
+            <a:endParaRPr b="0" lang="ru-RU" sz="4400" spc="-1" strike="noStrike">
+              <a:latin typeface="Arial"/>
+            </a:endParaRPr>
+          </a:p>
+        </p:txBody>
+      </p:sp>
+      <p:sp>
+        <p:nvSpPr>
+          <p:cNvPr id="100" name="PlaceHolder 2"/>
+          <p:cNvSpPr>
+            <a:spLocks noGrp="1"/>
+          </p:cNvSpPr>
+          <p:nvPr>
+            <p:ph type="body"/>
+          </p:nvPr>
+        </p:nvSpPr>
+        <p:spPr>
+          <a:xfrm>
+            <a:off x="609480" y="1604520"/>
+            <a:ext cx="5354280" cy="1896840"/>
+          </a:xfrm>
+          <a:prstGeom prst="rect">
+            <a:avLst/>
+          </a:prstGeom>
+        </p:spPr>
+        <p:txBody>
+          <a:bodyPr lIns="0" rIns="0" tIns="0" bIns="0">
+            <a:normAutofit/>
+          </a:bodyPr>
+          <a:p>
+            <a:endParaRPr b="0" lang="ru-RU" sz="3200" spc="-1" strike="noStrike">
+              <a:latin typeface="Arial"/>
+            </a:endParaRPr>
+          </a:p>
+        </p:txBody>
+      </p:sp>
+      <p:sp>
+        <p:nvSpPr>
+          <p:cNvPr id="101" name="PlaceHolder 3"/>
+          <p:cNvSpPr>
+            <a:spLocks noGrp="1"/>
+          </p:cNvSpPr>
+          <p:nvPr>
+            <p:ph type="body"/>
+          </p:nvPr>
+        </p:nvSpPr>
+        <p:spPr>
+          <a:xfrm>
+            <a:off x="6231960" y="1604520"/>
+            <a:ext cx="5354280" cy="1896840"/>
+          </a:xfrm>
+          <a:prstGeom prst="rect">
+            <a:avLst/>
+          </a:prstGeom>
+        </p:spPr>
+        <p:txBody>
+          <a:bodyPr lIns="0" rIns="0" tIns="0" bIns="0">
+            <a:normAutofit/>
+          </a:bodyPr>
+          <a:p>
+            <a:endParaRPr b="0" lang="ru-RU" sz="3200" spc="-1" strike="noStrike">
+              <a:latin typeface="Arial"/>
+            </a:endParaRPr>
+          </a:p>
+        </p:txBody>
+      </p:sp>
+      <p:sp>
+        <p:nvSpPr>
+          <p:cNvPr id="102" name="PlaceHolder 4"/>
+          <p:cNvSpPr>
+            <a:spLocks noGrp="1"/>
+          </p:cNvSpPr>
+          <p:nvPr>
+            <p:ph type="body"/>
+          </p:nvPr>
+        </p:nvSpPr>
+        <p:spPr>
+          <a:xfrm>
+            <a:off x="609480" y="3682080"/>
+            <a:ext cx="10972440" cy="1896840"/>
+          </a:xfrm>
+          <a:prstGeom prst="rect">
+            <a:avLst/>
+          </a:prstGeom>
+        </p:spPr>
+        <p:txBody>
+          <a:bodyPr lIns="0" rIns="0" tIns="0" bIns="0">
+            <a:normAutofit/>
+          </a:bodyPr>
+          <a:p>
+            <a:endParaRPr b="0" lang="ru-RU" sz="3200" spc="-1" strike="noStrike">
+              <a:latin typeface="Arial"/>
+            </a:endParaRPr>
+          </a:p>
+        </p:txBody>
+      </p:sp>
+    </p:spTree>
+  </p:cSld>
+</p:sldLayout>
+</file>
+
+<file path=ppt/slideLayouts/slideLayout34.xml><?xml version="1.0" encoding="utf-8"?>
+<p:sldLayout xmlns:a="http://schemas.openxmlformats.org/drawingml/2006/main" xmlns:p="http://schemas.openxmlformats.org/presentationml/2006/main" xmlns:r="http://schemas.openxmlformats.org/officeDocument/2006/relationships" xmlns:p14="http://schemas.microsoft.com/office/powerpoint/2010/main" xmlns:p15="http://schemas.microsoft.com/office/powerpoint/2012/main" xmlns:mc="http://schemas.openxmlformats.org/markup-compatibility/2006" type="objOverTx" preserve="1">
+  <p:cSld name="Title, Content over Content">
+    <p:spTree>
+      <p:nvGrpSpPr>
+        <p:cNvPr id="1" name=""/>
+        <p:cNvGrpSpPr/>
+        <p:nvPr/>
+      </p:nvGrpSpPr>
+      <p:grpSpPr>
+        <a:xfrm>
+          <a:off x="0" y="0"/>
+          <a:ext cx="0" cy="0"/>
+          <a:chOff x="0" y="0"/>
+          <a:chExt cx="0" cy="0"/>
+        </a:xfrm>
+      </p:grpSpPr>
+      <p:sp>
+        <p:nvSpPr>
+          <p:cNvPr id="103" name="PlaceHolder 1"/>
+          <p:cNvSpPr>
+            <a:spLocks noGrp="1"/>
+          </p:cNvSpPr>
+          <p:nvPr>
+            <p:ph type="title"/>
+          </p:nvPr>
+        </p:nvSpPr>
+        <p:spPr>
+          <a:xfrm>
+            <a:off x="609480" y="221040"/>
+            <a:ext cx="10972440" cy="1250280"/>
+          </a:xfrm>
+          <a:prstGeom prst="rect">
+            <a:avLst/>
+          </a:prstGeom>
+        </p:spPr>
+        <p:txBody>
+          <a:bodyPr lIns="0" rIns="0" tIns="0" bIns="0" anchor="ctr">
+            <a:spAutoFit/>
+          </a:bodyPr>
+          <a:p>
+            <a:pPr algn="ctr"/>
+            <a:endParaRPr b="0" lang="ru-RU" sz="4400" spc="-1" strike="noStrike">
+              <a:latin typeface="Arial"/>
+            </a:endParaRPr>
+          </a:p>
+        </p:txBody>
+      </p:sp>
+      <p:sp>
+        <p:nvSpPr>
+          <p:cNvPr id="104" name="PlaceHolder 2"/>
+          <p:cNvSpPr>
+            <a:spLocks noGrp="1"/>
+          </p:cNvSpPr>
+          <p:nvPr>
+            <p:ph type="body"/>
+          </p:nvPr>
+        </p:nvSpPr>
+        <p:spPr>
+          <a:xfrm>
+            <a:off x="609480" y="1604520"/>
+            <a:ext cx="10972440" cy="1896840"/>
+          </a:xfrm>
+          <a:prstGeom prst="rect">
+            <a:avLst/>
+          </a:prstGeom>
+        </p:spPr>
+        <p:txBody>
+          <a:bodyPr lIns="0" rIns="0" tIns="0" bIns="0">
+            <a:normAutofit/>
+          </a:bodyPr>
+          <a:p>
+            <a:endParaRPr b="0" lang="ru-RU" sz="3200" spc="-1" strike="noStrike">
+              <a:latin typeface="Arial"/>
+            </a:endParaRPr>
+          </a:p>
+        </p:txBody>
+      </p:sp>
+      <p:sp>
+        <p:nvSpPr>
+          <p:cNvPr id="105" name="PlaceHolder 3"/>
+          <p:cNvSpPr>
+            <a:spLocks noGrp="1"/>
+          </p:cNvSpPr>
+          <p:nvPr>
+            <p:ph type="body"/>
+          </p:nvPr>
+        </p:nvSpPr>
+        <p:spPr>
+          <a:xfrm>
+            <a:off x="609480" y="3682080"/>
+            <a:ext cx="10972440" cy="1896840"/>
+          </a:xfrm>
+          <a:prstGeom prst="rect">
+            <a:avLst/>
+          </a:prstGeom>
+        </p:spPr>
+        <p:txBody>
+          <a:bodyPr lIns="0" rIns="0" tIns="0" bIns="0">
+            <a:normAutofit/>
+          </a:bodyPr>
+          <a:p>
+            <a:endParaRPr b="0" lang="ru-RU" sz="3200" spc="-1" strike="noStrike">
+              <a:latin typeface="Arial"/>
+            </a:endParaRPr>
+          </a:p>
+        </p:txBody>
+      </p:sp>
+    </p:spTree>
+  </p:cSld>
+</p:sldLayout>
+</file>
+
+<file path=ppt/slideLayouts/slideLayout35.xml><?xml version="1.0" encoding="utf-8"?>
+<p:sldLayout xmlns:a="http://schemas.openxmlformats.org/drawingml/2006/main" xmlns:p="http://schemas.openxmlformats.org/presentationml/2006/main" xmlns:r="http://schemas.openxmlformats.org/officeDocument/2006/relationships" xmlns:p14="http://schemas.microsoft.com/office/powerpoint/2010/main" xmlns:p15="http://schemas.microsoft.com/office/powerpoint/2012/main" xmlns:mc="http://schemas.openxmlformats.org/markup-compatibility/2006" type="fourObj" preserve="1">
+  <p:cSld name="Title, 4 Content">
+    <p:spTree>
+      <p:nvGrpSpPr>
+        <p:cNvPr id="1" name=""/>
+        <p:cNvGrpSpPr/>
+        <p:nvPr/>
+      </p:nvGrpSpPr>
+      <p:grpSpPr>
+        <a:xfrm>
+          <a:off x="0" y="0"/>
+          <a:ext cx="0" cy="0"/>
+          <a:chOff x="0" y="0"/>
+          <a:chExt cx="0" cy="0"/>
+        </a:xfrm>
+      </p:grpSpPr>
+      <p:sp>
+        <p:nvSpPr>
+          <p:cNvPr id="106" name="PlaceHolder 1"/>
+          <p:cNvSpPr>
+            <a:spLocks noGrp="1"/>
+          </p:cNvSpPr>
+          <p:nvPr>
+            <p:ph type="title"/>
+          </p:nvPr>
+        </p:nvSpPr>
+        <p:spPr>
+          <a:xfrm>
+            <a:off x="609480" y="221040"/>
+            <a:ext cx="10972440" cy="1250280"/>
+          </a:xfrm>
+          <a:prstGeom prst="rect">
+            <a:avLst/>
+          </a:prstGeom>
+        </p:spPr>
+        <p:txBody>
+          <a:bodyPr lIns="0" rIns="0" tIns="0" bIns="0" anchor="ctr">
+            <a:spAutoFit/>
+          </a:bodyPr>
+          <a:p>
+            <a:pPr algn="ctr"/>
+            <a:endParaRPr b="0" lang="ru-RU" sz="4400" spc="-1" strike="noStrike">
+              <a:latin typeface="Arial"/>
+            </a:endParaRPr>
+          </a:p>
+        </p:txBody>
+      </p:sp>
+      <p:sp>
+        <p:nvSpPr>
+          <p:cNvPr id="107" name="PlaceHolder 2"/>
+          <p:cNvSpPr>
+            <a:spLocks noGrp="1"/>
+          </p:cNvSpPr>
+          <p:nvPr>
+            <p:ph type="body"/>
+          </p:nvPr>
+        </p:nvSpPr>
+        <p:spPr>
+          <a:xfrm>
+            <a:off x="609480" y="1604520"/>
+            <a:ext cx="5354280" cy="1896840"/>
+          </a:xfrm>
+          <a:prstGeom prst="rect">
+            <a:avLst/>
+          </a:prstGeom>
+        </p:spPr>
+        <p:txBody>
+          <a:bodyPr lIns="0" rIns="0" tIns="0" bIns="0">
+            <a:normAutofit/>
+          </a:bodyPr>
+          <a:p>
+            <a:endParaRPr b="0" lang="ru-RU" sz="3200" spc="-1" strike="noStrike">
+              <a:latin typeface="Arial"/>
+            </a:endParaRPr>
+          </a:p>
+        </p:txBody>
+      </p:sp>
+      <p:sp>
+        <p:nvSpPr>
+          <p:cNvPr id="108" name="PlaceHolder 3"/>
+          <p:cNvSpPr>
+            <a:spLocks noGrp="1"/>
+          </p:cNvSpPr>
+          <p:nvPr>
+            <p:ph type="body"/>
+          </p:nvPr>
+        </p:nvSpPr>
+        <p:spPr>
+          <a:xfrm>
+            <a:off x="6231960" y="1604520"/>
+            <a:ext cx="5354280" cy="1896840"/>
+          </a:xfrm>
+          <a:prstGeom prst="rect">
+            <a:avLst/>
+          </a:prstGeom>
+        </p:spPr>
+        <p:txBody>
+          <a:bodyPr lIns="0" rIns="0" tIns="0" bIns="0">
+            <a:normAutofit/>
+          </a:bodyPr>
+          <a:p>
+            <a:endParaRPr b="0" lang="ru-RU" sz="3200" spc="-1" strike="noStrike">
+              <a:latin typeface="Arial"/>
+            </a:endParaRPr>
+          </a:p>
+        </p:txBody>
+      </p:sp>
+      <p:sp>
+        <p:nvSpPr>
+          <p:cNvPr id="109" name="PlaceHolder 4"/>
+          <p:cNvSpPr>
+            <a:spLocks noGrp="1"/>
+          </p:cNvSpPr>
+          <p:nvPr>
+            <p:ph type="body"/>
+          </p:nvPr>
+        </p:nvSpPr>
+        <p:spPr>
+          <a:xfrm>
+            <a:off x="609480" y="3682080"/>
+            <a:ext cx="5354280" cy="1896840"/>
+          </a:xfrm>
+          <a:prstGeom prst="rect">
+            <a:avLst/>
+          </a:prstGeom>
+        </p:spPr>
+        <p:txBody>
+          <a:bodyPr lIns="0" rIns="0" tIns="0" bIns="0">
+            <a:normAutofit/>
+          </a:bodyPr>
+          <a:p>
+            <a:endParaRPr b="0" lang="ru-RU" sz="3200" spc="-1" strike="noStrike">
+              <a:latin typeface="Arial"/>
+            </a:endParaRPr>
+          </a:p>
+        </p:txBody>
+      </p:sp>
+      <p:sp>
+        <p:nvSpPr>
+          <p:cNvPr id="110" name="PlaceHolder 5"/>
+          <p:cNvSpPr>
+            <a:spLocks noGrp="1"/>
+          </p:cNvSpPr>
+          <p:nvPr>
+            <p:ph type="body"/>
+          </p:nvPr>
+        </p:nvSpPr>
+        <p:spPr>
+          <a:xfrm>
+            <a:off x="6231960" y="3682080"/>
+            <a:ext cx="5354280" cy="1896840"/>
+          </a:xfrm>
+          <a:prstGeom prst="rect">
+            <a:avLst/>
+          </a:prstGeom>
+        </p:spPr>
+        <p:txBody>
+          <a:bodyPr lIns="0" rIns="0" tIns="0" bIns="0">
+            <a:normAutofit/>
+          </a:bodyPr>
+          <a:p>
+            <a:endParaRPr b="0" lang="ru-RU" sz="3200" spc="-1" strike="noStrike">
+              <a:latin typeface="Arial"/>
+            </a:endParaRPr>
+          </a:p>
+        </p:txBody>
+      </p:sp>
+    </p:spTree>
+  </p:cSld>
+</p:sldLayout>
+</file>
+
+<file path=ppt/slideLayouts/slideLayout36.xml><?xml version="1.0" encoding="utf-8"?>
+<p:sldLayout xmlns:a="http://schemas.openxmlformats.org/drawingml/2006/main" xmlns:p="http://schemas.openxmlformats.org/presentationml/2006/main" xmlns:r="http://schemas.openxmlformats.org/officeDocument/2006/relationships" xmlns:p14="http://schemas.microsoft.com/office/powerpoint/2010/main" xmlns:p15="http://schemas.microsoft.com/office/powerpoint/2012/main" xmlns:mc="http://schemas.openxmlformats.org/markup-compatibility/2006" type="blank" preserve="1">
+  <p:cSld name="Title, 6 Content">
+    <p:spTree>
+      <p:nvGrpSpPr>
+        <p:cNvPr id="1" name=""/>
+        <p:cNvGrpSpPr/>
+        <p:nvPr/>
+      </p:nvGrpSpPr>
+      <p:grpSpPr>
+        <a:xfrm>
+          <a:off x="0" y="0"/>
+          <a:ext cx="0" cy="0"/>
+          <a:chOff x="0" y="0"/>
+          <a:chExt cx="0" cy="0"/>
+        </a:xfrm>
+      </p:grpSpPr>
+      <p:sp>
+        <p:nvSpPr>
+          <p:cNvPr id="111" name="PlaceHolder 1"/>
+          <p:cNvSpPr>
+            <a:spLocks noGrp="1"/>
+          </p:cNvSpPr>
+          <p:nvPr>
+            <p:ph type="title"/>
+          </p:nvPr>
+        </p:nvSpPr>
+        <p:spPr>
+          <a:xfrm>
+            <a:off x="609480" y="221040"/>
+            <a:ext cx="10972440" cy="1250280"/>
+          </a:xfrm>
+          <a:prstGeom prst="rect">
+            <a:avLst/>
+          </a:prstGeom>
+        </p:spPr>
+        <p:txBody>
+          <a:bodyPr lIns="0" rIns="0" tIns="0" bIns="0" anchor="ctr">
+            <a:spAutoFit/>
+          </a:bodyPr>
+          <a:p>
+            <a:pPr algn="ctr"/>
+            <a:endParaRPr b="0" lang="ru-RU" sz="4400" spc="-1" strike="noStrike">
+              <a:latin typeface="Arial"/>
+            </a:endParaRPr>
+          </a:p>
+        </p:txBody>
+      </p:sp>
+      <p:sp>
+        <p:nvSpPr>
+          <p:cNvPr id="112" name="PlaceHolder 2"/>
+          <p:cNvSpPr>
+            <a:spLocks noGrp="1"/>
+          </p:cNvSpPr>
+          <p:nvPr>
+            <p:ph type="body"/>
+          </p:nvPr>
+        </p:nvSpPr>
+        <p:spPr>
+          <a:xfrm>
+            <a:off x="609480" y="1604520"/>
+            <a:ext cx="3533040" cy="1896840"/>
+          </a:xfrm>
+          <a:prstGeom prst="rect">
+            <a:avLst/>
+          </a:prstGeom>
+        </p:spPr>
+        <p:txBody>
+          <a:bodyPr lIns="0" rIns="0" tIns="0" bIns="0">
+            <a:normAutofit/>
+          </a:bodyPr>
+          <a:p>
+            <a:endParaRPr b="0" lang="ru-RU" sz="3200" spc="-1" strike="noStrike">
+              <a:latin typeface="Arial"/>
+            </a:endParaRPr>
+          </a:p>
+        </p:txBody>
+      </p:sp>
+      <p:sp>
+        <p:nvSpPr>
+          <p:cNvPr id="113" name="PlaceHolder 3"/>
+          <p:cNvSpPr>
+            <a:spLocks noGrp="1"/>
+          </p:cNvSpPr>
+          <p:nvPr>
+            <p:ph type="body"/>
+          </p:nvPr>
+        </p:nvSpPr>
+        <p:spPr>
+          <a:xfrm>
+            <a:off x="4319640" y="1604520"/>
+            <a:ext cx="3533040" cy="1896840"/>
+          </a:xfrm>
+          <a:prstGeom prst="rect">
+            <a:avLst/>
+          </a:prstGeom>
+        </p:spPr>
+        <p:txBody>
+          <a:bodyPr lIns="0" rIns="0" tIns="0" bIns="0">
+            <a:normAutofit/>
+          </a:bodyPr>
+          <a:p>
+            <a:endParaRPr b="0" lang="ru-RU" sz="3200" spc="-1" strike="noStrike">
+              <a:latin typeface="Arial"/>
+            </a:endParaRPr>
+          </a:p>
+        </p:txBody>
+      </p:sp>
+      <p:sp>
+        <p:nvSpPr>
+          <p:cNvPr id="114" name="PlaceHolder 4"/>
+          <p:cNvSpPr>
+            <a:spLocks noGrp="1"/>
+          </p:cNvSpPr>
+          <p:nvPr>
+            <p:ph type="body"/>
+          </p:nvPr>
+        </p:nvSpPr>
+        <p:spPr>
+          <a:xfrm>
+            <a:off x="8029800" y="1604520"/>
+            <a:ext cx="3533040" cy="1896840"/>
+          </a:xfrm>
+          <a:prstGeom prst="rect">
+            <a:avLst/>
+          </a:prstGeom>
+        </p:spPr>
+        <p:txBody>
+          <a:bodyPr lIns="0" rIns="0" tIns="0" bIns="0">
+            <a:normAutofit/>
+          </a:bodyPr>
+          <a:p>
+            <a:endParaRPr b="0" lang="ru-RU" sz="3200" spc="-1" strike="noStrike">
+              <a:latin typeface="Arial"/>
+            </a:endParaRPr>
+          </a:p>
+        </p:txBody>
+      </p:sp>
+      <p:sp>
+        <p:nvSpPr>
+          <p:cNvPr id="115" name="PlaceHolder 5"/>
+          <p:cNvSpPr>
+            <a:spLocks noGrp="1"/>
+          </p:cNvSpPr>
+          <p:nvPr>
+            <p:ph type="body"/>
+          </p:nvPr>
+        </p:nvSpPr>
+        <p:spPr>
+          <a:xfrm>
+            <a:off x="609480" y="3682080"/>
+            <a:ext cx="3533040" cy="1896840"/>
+          </a:xfrm>
+          <a:prstGeom prst="rect">
+            <a:avLst/>
+          </a:prstGeom>
+        </p:spPr>
+        <p:txBody>
+          <a:bodyPr lIns="0" rIns="0" tIns="0" bIns="0">
+            <a:normAutofit/>
+          </a:bodyPr>
+          <a:p>
+            <a:endParaRPr b="0" lang="ru-RU" sz="3200" spc="-1" strike="noStrike">
+              <a:latin typeface="Arial"/>
+            </a:endParaRPr>
+          </a:p>
+        </p:txBody>
+      </p:sp>
+      <p:sp>
+        <p:nvSpPr>
+          <p:cNvPr id="116" name="PlaceHolder 6"/>
+          <p:cNvSpPr>
+            <a:spLocks noGrp="1"/>
+          </p:cNvSpPr>
+          <p:nvPr>
+            <p:ph type="body"/>
+          </p:nvPr>
+        </p:nvSpPr>
+        <p:spPr>
+          <a:xfrm>
+            <a:off x="4319640" y="3682080"/>
+            <a:ext cx="3533040" cy="1896840"/>
+          </a:xfrm>
+          <a:prstGeom prst="rect">
+            <a:avLst/>
+          </a:prstGeom>
+        </p:spPr>
+        <p:txBody>
+          <a:bodyPr lIns="0" rIns="0" tIns="0" bIns="0">
+            <a:normAutofit/>
+          </a:bodyPr>
+          <a:p>
+            <a:endParaRPr b="0" lang="ru-RU" sz="3200" spc="-1" strike="noStrike">
+              <a:latin typeface="Arial"/>
+            </a:endParaRPr>
+          </a:p>
+        </p:txBody>
+      </p:sp>
+      <p:sp>
+        <p:nvSpPr>
+          <p:cNvPr id="117" name="PlaceHolder 7"/>
+          <p:cNvSpPr>
+            <a:spLocks noGrp="1"/>
+          </p:cNvSpPr>
+          <p:nvPr>
+            <p:ph type="body"/>
+          </p:nvPr>
+        </p:nvSpPr>
+        <p:spPr>
+          <a:xfrm>
+            <a:off x="8029800" y="3682080"/>
+            <a:ext cx="3533040" cy="1896840"/>
           </a:xfrm>
           <a:prstGeom prst="rect">
             <a:avLst/>
@@ -2766,8 +4123,8 @@
         </p:nvSpPr>
         <p:spPr>
           <a:xfrm>
-            <a:off x="838080" y="454680"/>
-            <a:ext cx="10514880" cy="1145160"/>
+            <a:off x="609480" y="273240"/>
+            <a:ext cx="10972080" cy="1145160"/>
           </a:xfrm>
           <a:prstGeom prst="rect">
             <a:avLst/>
@@ -2803,7 +4160,7 @@
         <p:spPr>
           <a:xfrm>
             <a:off x="609480" y="1604520"/>
-            <a:ext cx="10972440" cy="3977280"/>
+            <a:ext cx="10972080" cy="3976920"/>
           </a:xfrm>
           <a:prstGeom prst="rect">
             <a:avLst/>
@@ -2826,12 +4183,12 @@
               <a:buChar char=""/>
             </a:pPr>
             <a:r>
-              <a:rPr b="0" lang="ru-RU" sz="3200" spc="-1" strike="noStrike">
+              <a:rPr b="0" lang="ru-RU" sz="1800" spc="-1" strike="noStrike">
                 <a:latin typeface="Arial"/>
               </a:rPr>
               <a:t>Для правки структуры щёлкните мышью</a:t>
             </a:r>
-            <a:endParaRPr b="0" lang="ru-RU" sz="3200" spc="-1" strike="noStrike">
+            <a:endParaRPr b="0" lang="ru-RU" sz="1800" spc="-1" strike="noStrike">
               <a:latin typeface="Arial"/>
             </a:endParaRPr>
           </a:p>
@@ -2848,12 +4205,12 @@
               <a:buChar char=""/>
             </a:pPr>
             <a:r>
-              <a:rPr b="0" lang="ru-RU" sz="2800" spc="-1" strike="noStrike">
+              <a:rPr b="0" lang="ru-RU" sz="1800" spc="-1" strike="noStrike">
                 <a:latin typeface="Arial"/>
               </a:rPr>
               <a:t>Второй уровень структуры</a:t>
             </a:r>
-            <a:endParaRPr b="0" lang="ru-RU" sz="2800" spc="-1" strike="noStrike">
+            <a:endParaRPr b="0" lang="ru-RU" sz="1800" spc="-1" strike="noStrike">
               <a:latin typeface="Arial"/>
             </a:endParaRPr>
           </a:p>
@@ -2870,12 +4227,12 @@
               <a:buChar char=""/>
             </a:pPr>
             <a:r>
-              <a:rPr b="0" lang="ru-RU" sz="2400" spc="-1" strike="noStrike">
+              <a:rPr b="0" lang="ru-RU" sz="1800" spc="-1" strike="noStrike">
                 <a:latin typeface="Arial"/>
               </a:rPr>
               <a:t>Третий уровень структуры</a:t>
             </a:r>
-            <a:endParaRPr b="0" lang="ru-RU" sz="2400" spc="-1" strike="noStrike">
+            <a:endParaRPr b="0" lang="ru-RU" sz="1800" spc="-1" strike="noStrike">
               <a:latin typeface="Arial"/>
             </a:endParaRPr>
           </a:p>
@@ -2892,12 +4249,12 @@
               <a:buChar char=""/>
             </a:pPr>
             <a:r>
-              <a:rPr b="0" lang="ru-RU" sz="2000" spc="-1" strike="noStrike">
+              <a:rPr b="0" lang="ru-RU" sz="1800" spc="-1" strike="noStrike">
                 <a:latin typeface="Arial"/>
               </a:rPr>
               <a:t>Четвёртый уровень структуры</a:t>
             </a:r>
-            <a:endParaRPr b="0" lang="ru-RU" sz="2000" spc="-1" strike="noStrike">
+            <a:endParaRPr b="0" lang="ru-RU" sz="1800" spc="-1" strike="noStrike">
               <a:latin typeface="Arial"/>
             </a:endParaRPr>
           </a:p>
@@ -2914,12 +4271,12 @@
               <a:buChar char=""/>
             </a:pPr>
             <a:r>
-              <a:rPr b="0" lang="ru-RU" sz="2000" spc="-1" strike="noStrike">
+              <a:rPr b="0" lang="ru-RU" sz="1800" spc="-1" strike="noStrike">
                 <a:latin typeface="Arial"/>
               </a:rPr>
               <a:t>Пятый уровень структуры</a:t>
             </a:r>
-            <a:endParaRPr b="0" lang="ru-RU" sz="2000" spc="-1" strike="noStrike">
+            <a:endParaRPr b="0" lang="ru-RU" sz="1800" spc="-1" strike="noStrike">
               <a:latin typeface="Arial"/>
             </a:endParaRPr>
           </a:p>
@@ -2936,12 +4293,12 @@
               <a:buChar char=""/>
             </a:pPr>
             <a:r>
-              <a:rPr b="0" lang="ru-RU" sz="2000" spc="-1" strike="noStrike">
+              <a:rPr b="0" lang="ru-RU" sz="1800" spc="-1" strike="noStrike">
                 <a:latin typeface="Arial"/>
               </a:rPr>
               <a:t>Шестой уровень структуры</a:t>
             </a:r>
-            <a:endParaRPr b="0" lang="ru-RU" sz="2000" spc="-1" strike="noStrike">
+            <a:endParaRPr b="0" lang="ru-RU" sz="1800" spc="-1" strike="noStrike">
               <a:latin typeface="Arial"/>
             </a:endParaRPr>
           </a:p>
@@ -2958,12 +4315,12 @@
               <a:buChar char=""/>
             </a:pPr>
             <a:r>
-              <a:rPr b="0" lang="ru-RU" sz="2000" spc="-1" strike="noStrike">
+              <a:rPr b="0" lang="ru-RU" sz="1800" spc="-1" strike="noStrike">
                 <a:latin typeface="Arial"/>
               </a:rPr>
               <a:t>Седьмой уровень структуры</a:t>
             </a:r>
-            <a:endParaRPr b="0" lang="ru-RU" sz="2000" spc="-1" strike="noStrike">
+            <a:endParaRPr b="0" lang="ru-RU" sz="1800" spc="-1" strike="noStrike">
               <a:latin typeface="Arial"/>
             </a:endParaRPr>
           </a:p>
@@ -3249,6 +4606,458 @@
 </p:sldMaster>
 </file>
 
+<file path=ppt/slideMasters/slideMaster3.xml><?xml version="1.0" encoding="utf-8"?>
+<p:sldMaster xmlns:a="http://schemas.openxmlformats.org/drawingml/2006/main" xmlns:p="http://schemas.openxmlformats.org/presentationml/2006/main" xmlns:r="http://schemas.openxmlformats.org/officeDocument/2006/relationships" xmlns:p14="http://schemas.microsoft.com/office/powerpoint/2010/main" xmlns:p15="http://schemas.microsoft.com/office/powerpoint/2012/main" xmlns:mc="http://schemas.openxmlformats.org/markup-compatibility/2006">
+  <p:cSld>
+    <p:spTree>
+      <p:nvGrpSpPr>
+        <p:cNvPr id="1" name=""/>
+        <p:cNvGrpSpPr/>
+        <p:nvPr/>
+      </p:nvGrpSpPr>
+      <p:grpSpPr>
+        <a:xfrm>
+          <a:off x="0" y="0"/>
+          <a:ext cx="0" cy="0"/>
+          <a:chOff x="0" y="0"/>
+          <a:chExt cx="0" cy="0"/>
+        </a:xfrm>
+      </p:grpSpPr>
+      <p:pic>
+        <p:nvPicPr>
+          <p:cNvPr id="76" name="" descr=""/>
+          <p:cNvPicPr/>
+          <p:nvPr/>
+        </p:nvPicPr>
+        <p:blipFill>
+          <a:blip r:embed="rId2"/>
+          <a:stretch/>
+        </p:blipFill>
+        <p:spPr>
+          <a:xfrm>
+            <a:off x="0" y="0"/>
+            <a:ext cx="12192120" cy="6858000"/>
+          </a:xfrm>
+          <a:prstGeom prst="rect">
+            <a:avLst/>
+          </a:prstGeom>
+          <a:ln>
+            <a:noFill/>
+          </a:ln>
+        </p:spPr>
+      </p:pic>
+      <p:sp>
+        <p:nvSpPr>
+          <p:cNvPr id="77" name="PlaceHolder 1"/>
+          <p:cNvSpPr>
+            <a:spLocks noGrp="1"/>
+          </p:cNvSpPr>
+          <p:nvPr>
+            <p:ph type="title"/>
+          </p:nvPr>
+        </p:nvSpPr>
+        <p:spPr>
+          <a:xfrm>
+            <a:off x="2873520" y="261000"/>
+            <a:ext cx="6444360" cy="870840"/>
+          </a:xfrm>
+          <a:prstGeom prst="rect">
+            <a:avLst/>
+          </a:prstGeom>
+        </p:spPr>
+        <p:txBody>
+          <a:bodyPr lIns="0" rIns="0" tIns="0" bIns="0" anchor="ctr">
+            <a:normAutofit fontScale="66000"/>
+          </a:bodyPr>
+          <a:p>
+            <a:pPr algn="ctr"/>
+            <a:r>
+              <a:rPr b="0" lang="ru-RU" sz="3990" spc="-1" strike="noStrike">
+                <a:solidFill>
+                  <a:srgbClr val="ffffff"/>
+                </a:solidFill>
+                <a:latin typeface="Arial"/>
+              </a:rPr>
+              <a:t>Для правки текста заглавия щёлкните мышью</a:t>
+            </a:r>
+            <a:endParaRPr b="0" lang="ru-RU" sz="3990" spc="-1" strike="noStrike">
+              <a:solidFill>
+                <a:srgbClr val="ffffff"/>
+              </a:solidFill>
+              <a:latin typeface="Arial"/>
+            </a:endParaRPr>
+          </a:p>
+        </p:txBody>
+      </p:sp>
+      <p:sp>
+        <p:nvSpPr>
+          <p:cNvPr id="78" name="PlaceHolder 2"/>
+          <p:cNvSpPr>
+            <a:spLocks noGrp="1"/>
+          </p:cNvSpPr>
+          <p:nvPr>
+            <p:ph type="body"/>
+          </p:nvPr>
+        </p:nvSpPr>
+        <p:spPr>
+          <a:xfrm>
+            <a:off x="609480" y="1654200"/>
+            <a:ext cx="10973160" cy="4592880"/>
+          </a:xfrm>
+          <a:prstGeom prst="rect">
+            <a:avLst/>
+          </a:prstGeom>
+        </p:spPr>
+        <p:txBody>
+          <a:bodyPr lIns="0" rIns="0" tIns="0" bIns="0">
+            <a:spAutoFit/>
+          </a:bodyPr>
+          <a:p>
+            <a:pPr marL="432000" indent="-324000">
+              <a:spcAft>
+                <a:spcPts val="1281"/>
+              </a:spcAft>
+              <a:buClr>
+                <a:srgbClr val="ffffff"/>
+              </a:buClr>
+              <a:buSzPct val="45000"/>
+              <a:buFont typeface="Wingdings" charset="2"/>
+              <a:buChar char=""/>
+            </a:pPr>
+            <a:r>
+              <a:rPr b="0" lang="ru-RU" sz="2910" spc="-1" strike="noStrike">
+                <a:solidFill>
+                  <a:srgbClr val="ffffff"/>
+                </a:solidFill>
+                <a:latin typeface="Arial"/>
+              </a:rPr>
+              <a:t>Для правки структуры щёлкните мышью</a:t>
+            </a:r>
+            <a:endParaRPr b="0" lang="ru-RU" sz="2910" spc="-1" strike="noStrike">
+              <a:solidFill>
+                <a:srgbClr val="ffffff"/>
+              </a:solidFill>
+              <a:latin typeface="Arial"/>
+            </a:endParaRPr>
+          </a:p>
+          <a:p>
+            <a:pPr lvl="1" marL="864000" indent="-324000">
+              <a:spcAft>
+                <a:spcPts val="1023"/>
+              </a:spcAft>
+              <a:buClr>
+                <a:srgbClr val="ffffff"/>
+              </a:buClr>
+              <a:buSzPct val="75000"/>
+              <a:buFont typeface="Symbol" charset="2"/>
+              <a:buChar char=""/>
+            </a:pPr>
+            <a:r>
+              <a:rPr b="0" lang="ru-RU" sz="2539" spc="-1" strike="noStrike">
+                <a:solidFill>
+                  <a:srgbClr val="ffffff"/>
+                </a:solidFill>
+                <a:latin typeface="Arial"/>
+              </a:rPr>
+              <a:t>Второй уровень структуры</a:t>
+            </a:r>
+            <a:endParaRPr b="0" lang="ru-RU" sz="2539" spc="-1" strike="noStrike">
+              <a:solidFill>
+                <a:srgbClr val="ffffff"/>
+              </a:solidFill>
+              <a:latin typeface="Arial"/>
+            </a:endParaRPr>
+          </a:p>
+          <a:p>
+            <a:pPr lvl="2" marL="1296000" indent="-288000">
+              <a:spcAft>
+                <a:spcPts val="765"/>
+              </a:spcAft>
+              <a:buClr>
+                <a:srgbClr val="ffffff"/>
+              </a:buClr>
+              <a:buSzPct val="45000"/>
+              <a:buFont typeface="Wingdings" charset="2"/>
+              <a:buChar char=""/>
+            </a:pPr>
+            <a:r>
+              <a:rPr b="0" lang="ru-RU" sz="2179" spc="-1" strike="noStrike">
+                <a:solidFill>
+                  <a:srgbClr val="ffffff"/>
+                </a:solidFill>
+                <a:latin typeface="Arial"/>
+              </a:rPr>
+              <a:t>Третий уровень структуры</a:t>
+            </a:r>
+            <a:endParaRPr b="0" lang="ru-RU" sz="2179" spc="-1" strike="noStrike">
+              <a:solidFill>
+                <a:srgbClr val="ffffff"/>
+              </a:solidFill>
+              <a:latin typeface="Arial"/>
+            </a:endParaRPr>
+          </a:p>
+          <a:p>
+            <a:pPr lvl="3" marL="1728000" indent="-216000">
+              <a:spcAft>
+                <a:spcPts val="507"/>
+              </a:spcAft>
+              <a:buClr>
+                <a:srgbClr val="ffffff"/>
+              </a:buClr>
+              <a:buSzPct val="75000"/>
+              <a:buFont typeface="Symbol" charset="2"/>
+              <a:buChar char=""/>
+            </a:pPr>
+            <a:r>
+              <a:rPr b="0" lang="ru-RU" sz="1810" spc="-1" strike="noStrike">
+                <a:solidFill>
+                  <a:srgbClr val="ffffff"/>
+                </a:solidFill>
+                <a:latin typeface="Arial"/>
+              </a:rPr>
+              <a:t>Четвёртый уровень структуры</a:t>
+            </a:r>
+            <a:endParaRPr b="0" lang="ru-RU" sz="1810" spc="-1" strike="noStrike">
+              <a:solidFill>
+                <a:srgbClr val="ffffff"/>
+              </a:solidFill>
+              <a:latin typeface="Arial"/>
+            </a:endParaRPr>
+          </a:p>
+          <a:p>
+            <a:pPr lvl="4" marL="2160000" indent="-216000">
+              <a:spcAft>
+                <a:spcPts val="252"/>
+              </a:spcAft>
+              <a:buClr>
+                <a:srgbClr val="ffffff"/>
+              </a:buClr>
+              <a:buSzPct val="45000"/>
+              <a:buFont typeface="Wingdings" charset="2"/>
+              <a:buChar char=""/>
+            </a:pPr>
+            <a:r>
+              <a:rPr b="0" lang="ru-RU" sz="1810" spc="-1" strike="noStrike">
+                <a:solidFill>
+                  <a:srgbClr val="ffffff"/>
+                </a:solidFill>
+                <a:latin typeface="Arial"/>
+              </a:rPr>
+              <a:t>Пятый уровень структуры</a:t>
+            </a:r>
+            <a:endParaRPr b="0" lang="ru-RU" sz="1810" spc="-1" strike="noStrike">
+              <a:solidFill>
+                <a:srgbClr val="ffffff"/>
+              </a:solidFill>
+              <a:latin typeface="Arial"/>
+            </a:endParaRPr>
+          </a:p>
+          <a:p>
+            <a:pPr lvl="5" marL="2592000" indent="-216000">
+              <a:spcAft>
+                <a:spcPts val="252"/>
+              </a:spcAft>
+              <a:buClr>
+                <a:srgbClr val="ffffff"/>
+              </a:buClr>
+              <a:buSzPct val="45000"/>
+              <a:buFont typeface="Wingdings" charset="2"/>
+              <a:buChar char=""/>
+            </a:pPr>
+            <a:r>
+              <a:rPr b="0" lang="ru-RU" sz="1810" spc="-1" strike="noStrike">
+                <a:solidFill>
+                  <a:srgbClr val="ffffff"/>
+                </a:solidFill>
+                <a:latin typeface="Arial"/>
+              </a:rPr>
+              <a:t>Шестой уровень структуры</a:t>
+            </a:r>
+            <a:endParaRPr b="0" lang="ru-RU" sz="1810" spc="-1" strike="noStrike">
+              <a:solidFill>
+                <a:srgbClr val="ffffff"/>
+              </a:solidFill>
+              <a:latin typeface="Arial"/>
+            </a:endParaRPr>
+          </a:p>
+          <a:p>
+            <a:pPr lvl="6" marL="3024000" indent="-216000">
+              <a:spcAft>
+                <a:spcPts val="252"/>
+              </a:spcAft>
+              <a:buClr>
+                <a:srgbClr val="ffffff"/>
+              </a:buClr>
+              <a:buSzPct val="45000"/>
+              <a:buFont typeface="Wingdings" charset="2"/>
+              <a:buChar char=""/>
+            </a:pPr>
+            <a:r>
+              <a:rPr b="0" lang="ru-RU" sz="1810" spc="-1" strike="noStrike">
+                <a:solidFill>
+                  <a:srgbClr val="ffffff"/>
+                </a:solidFill>
+                <a:latin typeface="Arial"/>
+              </a:rPr>
+              <a:t>Седьмой уровень структуры</a:t>
+            </a:r>
+            <a:endParaRPr b="0" lang="ru-RU" sz="1810" spc="-1" strike="noStrike">
+              <a:solidFill>
+                <a:srgbClr val="ffffff"/>
+              </a:solidFill>
+              <a:latin typeface="Arial"/>
+            </a:endParaRPr>
+          </a:p>
+        </p:txBody>
+      </p:sp>
+      <p:sp>
+        <p:nvSpPr>
+          <p:cNvPr id="79" name="PlaceHolder 3"/>
+          <p:cNvSpPr>
+            <a:spLocks noGrp="1"/>
+          </p:cNvSpPr>
+          <p:nvPr>
+            <p:ph type="dt"/>
+          </p:nvPr>
+        </p:nvSpPr>
+        <p:spPr>
+          <a:xfrm>
+            <a:off x="609480" y="6444000"/>
+            <a:ext cx="2840400" cy="276120"/>
+          </a:xfrm>
+          <a:prstGeom prst="rect">
+            <a:avLst/>
+          </a:prstGeom>
+        </p:spPr>
+        <p:txBody>
+          <a:bodyPr lIns="0" rIns="0" tIns="0" bIns="0">
+            <a:noAutofit/>
+          </a:bodyPr>
+          <a:p>
+            <a:r>
+              <a:rPr b="0" lang="ru-RU" sz="1400" spc="-1" strike="noStrike">
+                <a:solidFill>
+                  <a:srgbClr val="ffffff"/>
+                </a:solidFill>
+                <a:latin typeface="Arial"/>
+              </a:rPr>
+              <a:t>&lt;дата/время&gt;</a:t>
+            </a:r>
+            <a:endParaRPr b="0" lang="ru-RU" sz="1400" spc="-1" strike="noStrike">
+              <a:solidFill>
+                <a:srgbClr val="ffffff"/>
+              </a:solidFill>
+              <a:latin typeface="Arial"/>
+            </a:endParaRPr>
+          </a:p>
+        </p:txBody>
+      </p:sp>
+      <p:sp>
+        <p:nvSpPr>
+          <p:cNvPr id="80" name="PlaceHolder 4"/>
+          <p:cNvSpPr>
+            <a:spLocks noGrp="1"/>
+          </p:cNvSpPr>
+          <p:nvPr>
+            <p:ph type="ftr"/>
+          </p:nvPr>
+        </p:nvSpPr>
+        <p:spPr>
+          <a:xfrm>
+            <a:off x="4169520" y="6444000"/>
+            <a:ext cx="3864600" cy="276120"/>
+          </a:xfrm>
+          <a:prstGeom prst="rect">
+            <a:avLst/>
+          </a:prstGeom>
+        </p:spPr>
+        <p:txBody>
+          <a:bodyPr lIns="0" rIns="0" tIns="0" bIns="0">
+            <a:noAutofit/>
+          </a:bodyPr>
+          <a:p>
+            <a:pPr algn="ctr"/>
+            <a:r>
+              <a:rPr b="0" lang="ru-RU" sz="1400" spc="-1" strike="noStrike">
+                <a:solidFill>
+                  <a:srgbClr val="ffffff"/>
+                </a:solidFill>
+                <a:latin typeface="Arial"/>
+              </a:rPr>
+              <a:t>&lt;нижний колонтитул&gt;</a:t>
+            </a:r>
+            <a:endParaRPr b="0" lang="ru-RU" sz="1400" spc="-1" strike="noStrike">
+              <a:solidFill>
+                <a:srgbClr val="ffffff"/>
+              </a:solidFill>
+              <a:latin typeface="Arial"/>
+            </a:endParaRPr>
+          </a:p>
+        </p:txBody>
+      </p:sp>
+      <p:sp>
+        <p:nvSpPr>
+          <p:cNvPr id="81" name="PlaceHolder 5"/>
+          <p:cNvSpPr>
+            <a:spLocks noGrp="1"/>
+          </p:cNvSpPr>
+          <p:nvPr>
+            <p:ph type="sldNum"/>
+          </p:nvPr>
+        </p:nvSpPr>
+        <p:spPr>
+          <a:xfrm>
+            <a:off x="8741520" y="6444000"/>
+            <a:ext cx="2840400" cy="276120"/>
+          </a:xfrm>
+          <a:prstGeom prst="rect">
+            <a:avLst/>
+          </a:prstGeom>
+        </p:spPr>
+        <p:txBody>
+          <a:bodyPr lIns="0" rIns="0" tIns="0" bIns="0">
+            <a:noAutofit/>
+          </a:bodyPr>
+          <a:p>
+            <a:pPr algn="r"/>
+            <a:fld id="{FF7ECF50-D598-4234-984F-8D3C4C5B7C0E}" type="slidenum">
+              <a:rPr b="0" lang="ru-RU" sz="1400" spc="-1" strike="noStrike">
+                <a:solidFill>
+                  <a:srgbClr val="ffffff"/>
+                </a:solidFill>
+                <a:latin typeface="Arial"/>
+              </a:rPr>
+              <a:t>&lt;номер&gt;</a:t>
+            </a:fld>
+            <a:endParaRPr b="0" lang="ru-RU" sz="1400" spc="-1" strike="noStrike">
+              <a:solidFill>
+                <a:srgbClr val="ffffff"/>
+              </a:solidFill>
+              <a:latin typeface="Arial"/>
+            </a:endParaRPr>
+          </a:p>
+        </p:txBody>
+      </p:sp>
+    </p:spTree>
+  </p:cSld>
+  <p:clrMap bg1="lt1" bg2="lt2" tx1="dk1" tx2="dk2" accent1="accent1" accent2="accent2" accent3="accent3" accent4="accent4" accent5="accent5" accent6="accent6" hlink="hlink" folHlink="folHlink"/>
+  <p:sldLayoutIdLst>
+    <p:sldLayoutId id="2147483675" r:id="rId3"/>
+    <p:sldLayoutId id="2147483676" r:id="rId4"/>
+    <p:sldLayoutId id="2147483677" r:id="rId5"/>
+    <p:sldLayoutId id="2147483678" r:id="rId6"/>
+    <p:sldLayoutId id="2147483679" r:id="rId7"/>
+    <p:sldLayoutId id="2147483680" r:id="rId8"/>
+    <p:sldLayoutId id="2147483681" r:id="rId9"/>
+    <p:sldLayoutId id="2147483682" r:id="rId10"/>
+    <p:sldLayoutId id="2147483683" r:id="rId11"/>
+    <p:sldLayoutId id="2147483684" r:id="rId12"/>
+    <p:sldLayoutId id="2147483685" r:id="rId13"/>
+    <p:sldLayoutId id="2147483686" r:id="rId14"/>
+  </p:sldLayoutIdLst>
+</p:sldMaster>
+</file>
+
 <file path=ppt/slides/slide1.xml><?xml version="1.0" encoding="utf-8"?>
 <p:sld xmlns:a="http://schemas.openxmlformats.org/drawingml/2006/main" xmlns:p="http://schemas.openxmlformats.org/presentationml/2006/main" xmlns:r="http://schemas.openxmlformats.org/officeDocument/2006/relationships" xmlns:p14="http://schemas.microsoft.com/office/powerpoint/2010/main" xmlns:p15="http://schemas.microsoft.com/office/powerpoint/2012/main" xmlns:mc="http://schemas.openxmlformats.org/markup-compatibility/2006">
   <p:cSld>
@@ -3268,14 +5077,14 @@
       </p:grpSpPr>
       <p:sp>
         <p:nvSpPr>
-          <p:cNvPr id="76" name="CustomShape 1"/>
+          <p:cNvPr id="118" name="CustomShape 1"/>
           <p:cNvSpPr/>
           <p:nvPr/>
         </p:nvSpPr>
         <p:spPr>
           <a:xfrm>
-            <a:off x="1523880" y="1122480"/>
-            <a:ext cx="9143280" cy="2386800"/>
+            <a:off x="1585080" y="-1234440"/>
+            <a:ext cx="9142920" cy="2386440"/>
           </a:xfrm>
           <a:prstGeom prst="rect">
             <a:avLst/>
@@ -3307,6 +5116,7 @@
                   <a:srgbClr val="000000"/>
                 </a:solidFill>
                 <a:latin typeface="Calibri Light"/>
+                <a:ea typeface="DejaVu Sans"/>
               </a:rPr>
               <a:t>Бот Музыкант</a:t>
             </a:r>
@@ -3318,14 +5128,14 @@
       </p:sp>
       <p:sp>
         <p:nvSpPr>
-          <p:cNvPr id="77" name="CustomShape 2"/>
+          <p:cNvPr id="119" name="CustomShape 2"/>
           <p:cNvSpPr/>
           <p:nvPr/>
         </p:nvSpPr>
         <p:spPr>
           <a:xfrm>
-            <a:off x="1523880" y="3602160"/>
-            <a:ext cx="9143280" cy="1654920"/>
+            <a:off x="1441080" y="6120000"/>
+            <a:ext cx="9142920" cy="1654560"/>
           </a:xfrm>
           <a:prstGeom prst="rect">
             <a:avLst/>
@@ -3360,8 +5170,19 @@
                   <a:srgbClr val="000000"/>
                 </a:solidFill>
                 <a:latin typeface="Calibri"/>
+                <a:ea typeface="DejaVu Sans"/>
               </a:rPr>
-              <a:t>Прасолов Александр</a:t>
+              <a:t> </a:t>
+            </a:r>
+            <a:r>
+              <a:rPr b="0" lang="ru-RU" sz="2400" spc="-1" strike="noStrike">
+                <a:solidFill>
+                  <a:srgbClr val="000000"/>
+                </a:solidFill>
+                <a:latin typeface="Calibri"/>
+                <a:ea typeface="DejaVu Sans"/>
+              </a:rPr>
+              <a:t>Автор: Прасолов Александр</a:t>
             </a:r>
             <a:endParaRPr b="0" lang="ru-RU" sz="2400" spc="-1" strike="noStrike">
               <a:latin typeface="Arial"/>
@@ -3401,14 +5222,14 @@
       </p:grpSpPr>
       <p:sp>
         <p:nvSpPr>
-          <p:cNvPr id="78" name="CustomShape 1"/>
+          <p:cNvPr id="120" name="CustomShape 1"/>
           <p:cNvSpPr/>
           <p:nvPr/>
         </p:nvSpPr>
         <p:spPr>
           <a:xfrm>
-            <a:off x="838080" y="365040"/>
-            <a:ext cx="10514880" cy="1324800"/>
+            <a:off x="5472000" y="0"/>
+            <a:ext cx="10514520" cy="1324440"/>
           </a:xfrm>
           <a:prstGeom prst="rect">
             <a:avLst/>
@@ -3440,6 +5261,7 @@
                   <a:srgbClr val="000000"/>
                 </a:solidFill>
                 <a:latin typeface="Calibri Light"/>
+                <a:ea typeface="DejaVu Sans"/>
               </a:rPr>
               <a:t>Цель </a:t>
             </a:r>
@@ -3451,14 +5273,14 @@
       </p:sp>
       <p:sp>
         <p:nvSpPr>
-          <p:cNvPr id="79" name="CustomShape 2"/>
+          <p:cNvPr id="121" name="CustomShape 2"/>
           <p:cNvSpPr/>
           <p:nvPr/>
         </p:nvSpPr>
         <p:spPr>
           <a:xfrm>
             <a:off x="838080" y="1825560"/>
-            <a:ext cx="10514880" cy="4350600"/>
+            <a:ext cx="10514520" cy="4350240"/>
           </a:xfrm>
           <a:prstGeom prst="rect">
             <a:avLst/>
@@ -3479,7 +5301,7 @@
             <a:noAutofit/>
           </a:bodyPr>
           <a:p>
-            <a:pPr marL="228600" indent="-227880">
+            <a:pPr marL="228600" indent="-227520">
               <a:lnSpc>
                 <a:spcPct val="90000"/>
               </a:lnSpc>
@@ -3498,6 +5320,7 @@
                   <a:srgbClr val="000000"/>
                 </a:solidFill>
                 <a:latin typeface="Calibri"/>
+                <a:ea typeface="DejaVu Sans"/>
               </a:rPr>
               <a:t>Создать бота который сможет подобрать музыку к любому жанру</a:t>
             </a:r>
@@ -3539,14 +5362,14 @@
       </p:grpSpPr>
       <p:sp>
         <p:nvSpPr>
-          <p:cNvPr id="80" name="CustomShape 1"/>
+          <p:cNvPr id="122" name="CustomShape 1"/>
           <p:cNvSpPr/>
           <p:nvPr/>
         </p:nvSpPr>
         <p:spPr>
           <a:xfrm>
-            <a:off x="838080" y="365040"/>
-            <a:ext cx="10514880" cy="1324800"/>
+            <a:off x="3024000" y="576000"/>
+            <a:ext cx="6048000" cy="432000"/>
           </a:xfrm>
           <a:prstGeom prst="rect">
             <a:avLst/>
@@ -3578,6 +5401,7 @@
                   <a:srgbClr val="000000"/>
                 </a:solidFill>
                 <a:latin typeface="Calibri Light"/>
+                <a:ea typeface="DejaVu Sans"/>
               </a:rPr>
               <a:t>Используемые библиотеки и ресурсы</a:t>
             </a:r>
@@ -3589,14 +5413,14 @@
       </p:sp>
       <p:sp>
         <p:nvSpPr>
-          <p:cNvPr id="81" name="CustomShape 2"/>
+          <p:cNvPr id="123" name="CustomShape 2"/>
           <p:cNvSpPr/>
           <p:nvPr/>
         </p:nvSpPr>
         <p:spPr>
           <a:xfrm>
             <a:off x="788760" y="1825560"/>
-            <a:ext cx="10514880" cy="4350600"/>
+            <a:ext cx="10514520" cy="4350240"/>
           </a:xfrm>
           <a:prstGeom prst="rect">
             <a:avLst/>
@@ -3617,7 +5441,7 @@
             <a:noAutofit/>
           </a:bodyPr>
           <a:p>
-            <a:pPr marL="228600" indent="-227880">
+            <a:pPr marL="228600" indent="-227520">
               <a:lnSpc>
                 <a:spcPct val="90000"/>
               </a:lnSpc>
@@ -3636,6 +5460,7 @@
                   <a:srgbClr val="000000"/>
                 </a:solidFill>
                 <a:latin typeface="Calibri"/>
+                <a:ea typeface="DejaVu Sans"/>
               </a:rPr>
               <a:t>Библиотеки: telegram.ext, logging, </a:t>
             </a:r>
@@ -3677,14 +5502,14 @@
       </p:grpSpPr>
       <p:sp>
         <p:nvSpPr>
-          <p:cNvPr id="82" name="CustomShape 1"/>
+          <p:cNvPr id="124" name="CustomShape 1"/>
           <p:cNvSpPr/>
           <p:nvPr/>
         </p:nvSpPr>
         <p:spPr>
           <a:xfrm>
-            <a:off x="838080" y="365040"/>
-            <a:ext cx="10514880" cy="1324800"/>
+            <a:off x="3816000" y="-72000"/>
+            <a:ext cx="10514520" cy="1324440"/>
           </a:xfrm>
           <a:prstGeom prst="rect">
             <a:avLst/>
@@ -3716,8 +5541,9 @@
                   <a:srgbClr val="000000"/>
                 </a:solidFill>
                 <a:latin typeface="Calibri Light"/>
+                <a:ea typeface="DejaVu Sans"/>
               </a:rPr>
-              <a:t>Структура приложения</a:t>
+              <a:t>Структура бота</a:t>
             </a:r>
             <a:endParaRPr b="0" lang="ru-RU" sz="4400" spc="-1" strike="noStrike">
               <a:latin typeface="Arial"/>
@@ -3727,14 +5553,14 @@
       </p:sp>
       <p:sp>
         <p:nvSpPr>
-          <p:cNvPr id="83" name="CustomShape 2"/>
+          <p:cNvPr id="125" name="CustomShape 2"/>
           <p:cNvSpPr/>
           <p:nvPr/>
         </p:nvSpPr>
         <p:spPr>
           <a:xfrm>
             <a:off x="8973360" y="1844280"/>
-            <a:ext cx="2773440" cy="1735560"/>
+            <a:ext cx="2773080" cy="1735560"/>
           </a:xfrm>
           <a:prstGeom prst="rect">
             <a:avLst/>
@@ -3798,7 +5624,7 @@
       </p:sp>
       <p:pic>
         <p:nvPicPr>
-          <p:cNvPr id="84" name="" descr=""/>
+          <p:cNvPr id="126" name="" descr=""/>
           <p:cNvPicPr/>
           <p:nvPr/>
         </p:nvPicPr>
@@ -3809,7 +5635,7 @@
         <p:spPr>
           <a:xfrm>
             <a:off x="328320" y="1690200"/>
-            <a:ext cx="2370600" cy="5005440"/>
+            <a:ext cx="2370240" cy="5005080"/>
           </a:xfrm>
           <a:prstGeom prst="rect">
             <a:avLst/>
@@ -3821,7 +5647,7 @@
       </p:pic>
       <p:pic>
         <p:nvPicPr>
-          <p:cNvPr id="85" name="" descr=""/>
+          <p:cNvPr id="127" name="" descr=""/>
           <p:cNvPicPr/>
           <p:nvPr/>
         </p:nvPicPr>
@@ -3832,7 +5658,7 @@
         <p:spPr>
           <a:xfrm>
             <a:off x="3024000" y="1690200"/>
-            <a:ext cx="2370600" cy="5005440"/>
+            <a:ext cx="2370240" cy="5005080"/>
           </a:xfrm>
           <a:prstGeom prst="rect">
             <a:avLst/>
@@ -3844,7 +5670,7 @@
       </p:pic>
       <p:pic>
         <p:nvPicPr>
-          <p:cNvPr id="86" name="" descr=""/>
+          <p:cNvPr id="128" name="" descr=""/>
           <p:cNvPicPr/>
           <p:nvPr/>
         </p:nvPicPr>
@@ -3855,7 +5681,7 @@
         <p:spPr>
           <a:xfrm>
             <a:off x="5583960" y="1690200"/>
-            <a:ext cx="2335680" cy="4985640"/>
+            <a:ext cx="2335320" cy="4985280"/>
           </a:xfrm>
           <a:prstGeom prst="rect">
             <a:avLst/>
@@ -3897,14 +5723,14 @@
       </p:grpSpPr>
       <p:sp>
         <p:nvSpPr>
-          <p:cNvPr id="87" name="CustomShape 1"/>
+          <p:cNvPr id="129" name="CustomShape 1"/>
           <p:cNvSpPr/>
           <p:nvPr/>
         </p:nvSpPr>
         <p:spPr>
           <a:xfrm>
-            <a:off x="838080" y="365040"/>
-            <a:ext cx="10514880" cy="1324800"/>
+            <a:off x="2949480" y="43560"/>
+            <a:ext cx="10514520" cy="1324440"/>
           </a:xfrm>
           <a:prstGeom prst="rect">
             <a:avLst/>
@@ -3936,6 +5762,7 @@
                   <a:srgbClr val="000000"/>
                 </a:solidFill>
                 <a:latin typeface="Calibri Light"/>
+                <a:ea typeface="DejaVu Sans"/>
               </a:rPr>
               <a:t>Способы развития проекта</a:t>
             </a:r>
@@ -3947,14 +5774,14 @@
       </p:sp>
       <p:sp>
         <p:nvSpPr>
-          <p:cNvPr id="88" name="CustomShape 2"/>
+          <p:cNvPr id="130" name="CustomShape 2"/>
           <p:cNvSpPr/>
           <p:nvPr/>
         </p:nvSpPr>
         <p:spPr>
           <a:xfrm>
             <a:off x="838080" y="1825560"/>
-            <a:ext cx="10514880" cy="4350600"/>
+            <a:ext cx="10514520" cy="4350240"/>
           </a:xfrm>
           <a:prstGeom prst="rect">
             <a:avLst/>
@@ -3975,7 +5802,7 @@
             <a:noAutofit/>
           </a:bodyPr>
           <a:p>
-            <a:pPr marL="228600" indent="-227880">
+            <a:pPr marL="228600" indent="-227520">
               <a:lnSpc>
                 <a:spcPct val="90000"/>
               </a:lnSpc>
@@ -3994,6 +5821,7 @@
                   <a:srgbClr val="000000"/>
                 </a:solidFill>
                 <a:latin typeface="Calibri"/>
+                <a:ea typeface="DejaVu Sans"/>
               </a:rPr>
               <a:t>Добавить больше жанров и поджанров</a:t>
             </a:r>
@@ -4035,14 +5863,14 @@
       </p:grpSpPr>
       <p:sp>
         <p:nvSpPr>
-          <p:cNvPr id="89" name="CustomShape 1"/>
+          <p:cNvPr id="131" name="CustomShape 1"/>
           <p:cNvSpPr/>
           <p:nvPr/>
         </p:nvSpPr>
         <p:spPr>
           <a:xfrm>
             <a:off x="1523880" y="1122480"/>
-            <a:ext cx="9143280" cy="2386800"/>
+            <a:ext cx="9142920" cy="2386440"/>
           </a:xfrm>
           <a:prstGeom prst="rect">
             <a:avLst/>
@@ -4074,6 +5902,7 @@
                   <a:srgbClr val="000000"/>
                 </a:solidFill>
                 <a:latin typeface="Calibri Light"/>
+                <a:ea typeface="DejaVu Sans"/>
               </a:rPr>
               <a:t>Спасибо за внимание.</a:t>
             </a:r>
@@ -4540,4 +6369,227 @@
     </a:fmtScheme>
   </a:themeElements>
 </a:theme>
+</file>
+
+<file path=ppt/theme/theme3.xml><?xml version="1.0" encoding="utf-8"?>
+<a:theme xmlns:a="http://schemas.openxmlformats.org/drawingml/2006/main" name="Office Theme">
+  <a:themeElements>
+    <a:clrScheme name="Office">
+      <a:dk1>
+        <a:sysClr val="windowText" lastClr="000000"/>
+      </a:dk1>
+      <a:lt1>
+        <a:sysClr val="window" lastClr="FFFFFF"/>
+      </a:lt1>
+      <a:dk2>
+        <a:srgbClr val="44546a"/>
+      </a:dk2>
+      <a:lt2>
+        <a:srgbClr val="e7e6e6"/>
+      </a:lt2>
+      <a:accent1>
+        <a:srgbClr val="5b9bd5"/>
+      </a:accent1>
+      <a:accent2>
+        <a:srgbClr val="ed7d31"/>
+      </a:accent2>
+      <a:accent3>
+        <a:srgbClr val="a5a5a5"/>
+      </a:accent3>
+      <a:accent4>
+        <a:srgbClr val="ffc000"/>
+      </a:accent4>
+      <a:accent5>
+        <a:srgbClr val="4472c4"/>
+      </a:accent5>
+      <a:accent6>
+        <a:srgbClr val="70ad47"/>
+      </a:accent6>
+      <a:hlink>
+        <a:srgbClr val="0563c1"/>
+      </a:hlink>
+      <a:folHlink>
+        <a:srgbClr val="954f72"/>
+      </a:folHlink>
+    </a:clrScheme>
+    <a:fontScheme name="Office">
+      <a:majorFont>
+        <a:latin typeface="Arial"/>
+        <a:ea typeface="DejaVu Sans"/>
+        <a:cs typeface="DejaVu Sans"/>
+      </a:majorFont>
+      <a:minorFont>
+        <a:latin typeface="Arial"/>
+        <a:ea typeface="DejaVu Sans"/>
+        <a:cs typeface="DejaVu Sans"/>
+      </a:minorFont>
+    </a:fontScheme>
+    <a:fmtScheme name="Office">
+      <a:fillStyleLst>
+        <a:solidFill>
+          <a:schemeClr val="phClr"/>
+        </a:solidFill>
+        <a:gradFill rotWithShape="1">
+          <a:gsLst>
+            <a:gs pos="0">
+              <a:schemeClr val="phClr">
+                <a:tint val="50000"/>
+                <a:satMod val="300000"/>
+              </a:schemeClr>
+            </a:gs>
+            <a:gs pos="35000">
+              <a:schemeClr val="phClr">
+                <a:tint val="37000"/>
+                <a:satMod val="300000"/>
+              </a:schemeClr>
+            </a:gs>
+            <a:gs pos="100000">
+              <a:schemeClr val="phClr">
+                <a:tint val="15000"/>
+                <a:satMod val="350000"/>
+              </a:schemeClr>
+            </a:gs>
+          </a:gsLst>
+          <a:lin ang="16200000" scaled="1"/>
+        </a:gradFill>
+        <a:gradFill rotWithShape="1">
+          <a:gsLst>
+            <a:gs pos="0">
+              <a:schemeClr val="phClr">
+                <a:shade val="51000"/>
+                <a:satMod val="130000"/>
+              </a:schemeClr>
+            </a:gs>
+            <a:gs pos="80000">
+              <a:schemeClr val="phClr">
+                <a:shade val="93000"/>
+                <a:satMod val="130000"/>
+              </a:schemeClr>
+            </a:gs>
+            <a:gs pos="100000">
+              <a:schemeClr val="phClr">
+                <a:shade val="94000"/>
+                <a:satMod val="135000"/>
+              </a:schemeClr>
+            </a:gs>
+          </a:gsLst>
+          <a:lin ang="16200000" scaled="0"/>
+        </a:gradFill>
+      </a:fillStyleLst>
+      <a:lnStyleLst>
+        <a:ln w="9525" cap="flat" cmpd="sng" algn="ctr">
+          <a:solidFill>
+            <a:schemeClr val="phClr">
+              <a:shade val="95000"/>
+              <a:satMod val="105000"/>
+            </a:schemeClr>
+          </a:solidFill>
+          <a:prstDash val="solid"/>
+        </a:ln>
+        <a:ln w="25400" cap="flat" cmpd="sng" algn="ctr">
+          <a:solidFill>
+            <a:schemeClr val="phClr"/>
+          </a:solidFill>
+          <a:prstDash val="solid"/>
+        </a:ln>
+        <a:ln w="38100" cap="flat" cmpd="sng" algn="ctr">
+          <a:solidFill>
+            <a:schemeClr val="phClr"/>
+          </a:solidFill>
+          <a:prstDash val="solid"/>
+        </a:ln>
+      </a:lnStyleLst>
+      <a:effectStyleLst>
+        <a:effectStyle>
+          <a:effectLst>
+            <a:outerShdw blurRad="40000" dist="20000" dir="5400000" rotWithShape="0">
+              <a:srgbClr val="000000">
+                <a:alpha val="38000"/>
+              </a:srgbClr>
+            </a:outerShdw>
+          </a:effectLst>
+        </a:effectStyle>
+        <a:effectStyle>
+          <a:effectLst>
+            <a:outerShdw blurRad="40000" dist="23000" dir="5400000" rotWithShape="0">
+              <a:srgbClr val="000000">
+                <a:alpha val="35000"/>
+              </a:srgbClr>
+            </a:outerShdw>
+          </a:effectLst>
+        </a:effectStyle>
+        <a:effectStyle>
+          <a:effectLst>
+            <a:outerShdw blurRad="40000" dist="23000" dir="5400000" rotWithShape="0">
+              <a:srgbClr val="000000">
+                <a:alpha val="35000"/>
+              </a:srgbClr>
+            </a:outerShdw>
+          </a:effectLst>
+          <a:scene3d>
+            <a:camera prst="orthographicFront">
+              <a:rot lat="0" lon="0" rev="0"/>
+            </a:camera>
+            <a:lightRig rig="threePt" dir="t">
+              <a:rot lat="0" lon="0" rev="1200000"/>
+            </a:lightRig>
+          </a:scene3d>
+          <a:sp3d>
+            <a:bevelT w="63500" h="25400"/>
+          </a:sp3d>
+        </a:effectStyle>
+      </a:effectStyleLst>
+      <a:bgFillStyleLst>
+        <a:solidFill>
+          <a:schemeClr val="phClr"/>
+        </a:solidFill>
+        <a:gradFill rotWithShape="1">
+          <a:gsLst>
+            <a:gs pos="0">
+              <a:schemeClr val="phClr">
+                <a:tint val="40000"/>
+                <a:satMod val="350000"/>
+              </a:schemeClr>
+            </a:gs>
+            <a:gs pos="40000">
+              <a:schemeClr val="phClr">
+                <a:tint val="45000"/>
+                <a:shade val="99000"/>
+                <a:satMod val="350000"/>
+              </a:schemeClr>
+            </a:gs>
+            <a:gs pos="100000">
+              <a:schemeClr val="phClr">
+                <a:shade val="20000"/>
+                <a:satMod val="255000"/>
+              </a:schemeClr>
+            </a:gs>
+          </a:gsLst>
+          <a:path path="circle">
+            <a:fillToRect l="50000" t="-80000" r="50000" b="180000"/>
+          </a:path>
+        </a:gradFill>
+        <a:gradFill rotWithShape="1">
+          <a:gsLst>
+            <a:gs pos="0">
+              <a:schemeClr val="phClr">
+                <a:tint val="80000"/>
+                <a:satMod val="300000"/>
+              </a:schemeClr>
+            </a:gs>
+            <a:gs pos="100000">
+              <a:schemeClr val="phClr">
+                <a:shade val="30000"/>
+                <a:satMod val="200000"/>
+              </a:schemeClr>
+            </a:gs>
+          </a:gsLst>
+          <a:path path="circle">
+            <a:fillToRect l="50000" t="50000" r="50000" b="50000"/>
+          </a:path>
+        </a:gradFill>
+      </a:bgFillStyleLst>
+    </a:fmtScheme>
+  </a:themeElements>
+</a:theme>
 </file>